--- a/CalendarioAgo21/CISCO/Capítulo5.pptx
+++ b/CalendarioAgo21/CISCO/Capítulo5.pptx
@@ -6,10 +6,10 @@
     <p:sldMasterId id="2147483945" r:id="rId2"/>
   </p:sldMasterIdLst>
   <p:notesMasterIdLst>
-    <p:notesMasterId r:id="rId21"/>
+    <p:notesMasterId r:id="rId23"/>
   </p:notesMasterIdLst>
   <p:handoutMasterIdLst>
-    <p:handoutMasterId r:id="rId22"/>
+    <p:handoutMasterId r:id="rId24"/>
   </p:handoutMasterIdLst>
   <p:sldIdLst>
     <p:sldId id="500" r:id="rId3"/>
@@ -24,12 +24,14 @@
     <p:sldId id="1009" r:id="rId12"/>
     <p:sldId id="1011" r:id="rId13"/>
     <p:sldId id="1014" r:id="rId14"/>
-    <p:sldId id="1015" r:id="rId15"/>
-    <p:sldId id="1016" r:id="rId16"/>
-    <p:sldId id="1017" r:id="rId17"/>
-    <p:sldId id="1019" r:id="rId18"/>
-    <p:sldId id="1020" r:id="rId19"/>
-    <p:sldId id="1021" r:id="rId20"/>
+    <p:sldId id="1022" r:id="rId15"/>
+    <p:sldId id="1023" r:id="rId16"/>
+    <p:sldId id="1015" r:id="rId17"/>
+    <p:sldId id="1016" r:id="rId18"/>
+    <p:sldId id="1017" r:id="rId19"/>
+    <p:sldId id="1019" r:id="rId20"/>
+    <p:sldId id="1020" r:id="rId21"/>
+    <p:sldId id="1021" r:id="rId22"/>
   </p:sldIdLst>
   <p:sldSz cx="9144000" cy="6858000" type="screen4x3"/>
   <p:notesSz cx="7010400" cy="9296400"/>
@@ -2534,7 +2536,16 @@
               <a:rPr lang="es-ES" dirty="0">
                 <a:latin typeface="Arial" charset="0"/>
               </a:rPr>
-              <a:t>5.2.2.3 – Seguridad de puertos: Modos de violación de seguridad</a:t>
+              <a:t>5.2.2.2 – </a:t>
+            </a:r>
+            <a:r>
+              <a:rPr lang="es-ES" sz="1200" kern="1200" dirty="0">
+                <a:solidFill>
+                  <a:schemeClr val="tx1"/>
+                </a:solidFill>
+                <a:latin typeface="Arial" charset="0"/>
+              </a:rPr>
+              <a:t>Seguridad de puertos: Funcionamiento</a:t>
             </a:r>
             <a:endParaRPr lang="es-ES" dirty="0"/>
           </a:p>
@@ -2543,7 +2554,7 @@
     </p:spTree>
     <p:extLst>
       <p:ext uri="{BB962C8B-B14F-4D97-AF65-F5344CB8AC3E}">
-        <p14:creationId xmlns:p14="http://schemas.microsoft.com/office/powerpoint/2010/main" val="3272236570"/>
+        <p14:creationId xmlns:p14="http://schemas.microsoft.com/office/powerpoint/2010/main" val="4245195933"/>
       </p:ext>
     </p:extLst>
   </p:cSld>
@@ -2834,32 +2845,6 @@
             <a:endParaRPr lang="es-ES" dirty="0"/>
           </a:p>
           <a:p>
-            <a:pPr marL="112713" marR="0" indent="-112713" algn="l" defTabSz="1020763" rtl="0" eaLnBrk="0" fontAlgn="base" latinLnBrk="0" hangingPunct="0">
-              <a:lnSpc>
-                <a:spcPct val="80000"/>
-              </a:lnSpc>
-              <a:spcBef>
-                <a:spcPct val="50000"/>
-              </a:spcBef>
-              <a:spcAft>
-                <a:spcPct val="0"/>
-              </a:spcAft>
-              <a:buClrTx/>
-              <a:buSzPct val="100000"/>
-              <a:buFontTx/>
-              <a:buNone/>
-              <a:tabLst/>
-              <a:defRPr/>
-            </a:pPr>
-            <a:r>
-              <a:rPr lang="es-ES" dirty="0">
-                <a:latin typeface="Arial" charset="0"/>
-              </a:rPr>
-              <a:t>5.2.2.3 – Seguridad de puertos: Modos de violación de seguridad</a:t>
-            </a:r>
-            <a:endParaRPr lang="es-ES" dirty="0"/>
-          </a:p>
-          <a:p>
             <a:pPr>
               <a:lnSpc>
                 <a:spcPct val="80000"/>
@@ -2867,6 +2852,21 @@
               <a:buFontTx/>
               <a:buNone/>
             </a:pPr>
+            <a:r>
+              <a:rPr lang="es-ES" dirty="0">
+                <a:latin typeface="Arial" charset="0"/>
+              </a:rPr>
+              <a:t>5.2.2.2 – </a:t>
+            </a:r>
+            <a:r>
+              <a:rPr lang="es-ES" sz="1200" kern="1200" dirty="0">
+                <a:solidFill>
+                  <a:schemeClr val="tx1"/>
+                </a:solidFill>
+                <a:latin typeface="Arial" charset="0"/>
+              </a:rPr>
+              <a:t>Seguridad de puertos: Funcionamiento</a:t>
+            </a:r>
             <a:endParaRPr lang="es-ES" dirty="0"/>
           </a:p>
         </p:txBody>
@@ -2874,7 +2874,7 @@
     </p:spTree>
     <p:extLst>
       <p:ext uri="{BB962C8B-B14F-4D97-AF65-F5344CB8AC3E}">
-        <p14:creationId xmlns:p14="http://schemas.microsoft.com/office/powerpoint/2010/main" val="3272236570"/>
+        <p14:creationId xmlns:p14="http://schemas.microsoft.com/office/powerpoint/2010/main" val="470404890"/>
       </p:ext>
     </p:extLst>
   </p:cSld>
@@ -3165,32 +3165,6 @@
             <a:endParaRPr lang="es-ES" dirty="0"/>
           </a:p>
           <a:p>
-            <a:pPr marL="112713" marR="0" indent="-112713" algn="l" defTabSz="1020763" rtl="0" eaLnBrk="0" fontAlgn="base" latinLnBrk="0" hangingPunct="0">
-              <a:lnSpc>
-                <a:spcPct val="80000"/>
-              </a:lnSpc>
-              <a:spcBef>
-                <a:spcPct val="50000"/>
-              </a:spcBef>
-              <a:spcAft>
-                <a:spcPct val="0"/>
-              </a:spcAft>
-              <a:buClrTx/>
-              <a:buSzPct val="100000"/>
-              <a:buFontTx/>
-              <a:buNone/>
-              <a:tabLst/>
-              <a:defRPr/>
-            </a:pPr>
-            <a:r>
-              <a:rPr lang="es-ES" dirty="0">
-                <a:latin typeface="Arial" charset="0"/>
-              </a:rPr>
-              <a:t>5.2.2.4 – Seguridad de puertos: Configuración</a:t>
-            </a:r>
-            <a:endParaRPr lang="es-ES" dirty="0"/>
-          </a:p>
-          <a:p>
             <a:pPr>
               <a:lnSpc>
                 <a:spcPct val="80000"/>
@@ -3198,6 +3172,12 @@
               <a:buFontTx/>
               <a:buNone/>
             </a:pPr>
+            <a:r>
+              <a:rPr lang="es-ES" dirty="0">
+                <a:latin typeface="Arial" charset="0"/>
+              </a:rPr>
+              <a:t>5.2.2.3 – Seguridad de puertos: Modos de violación de seguridad</a:t>
+            </a:r>
             <a:endParaRPr lang="es-ES" dirty="0"/>
           </a:p>
         </p:txBody>
@@ -3468,7 +3448,7 @@
               <a:rPr lang="es-ES" sz="1200" dirty="0">
                 <a:latin typeface="Arial" charset="0"/>
               </a:rPr>
-              <a:t>Seguridad de switches: Administración e implementación</a:t>
+              <a:t>Seguridad de switches: administración e implementación</a:t>
             </a:r>
             <a:endParaRPr lang="es-ES" sz="1200" kern="1200" dirty="0">
               <a:solidFill>
@@ -3517,7 +3497,7 @@
               <a:rPr lang="es-ES" dirty="0">
                 <a:latin typeface="Arial" charset="0"/>
               </a:rPr>
-              <a:t>5.2.2.5 – Seguridad de puertos: Verificación</a:t>
+              <a:t>5.2.2.3 – Seguridad de puertos: Modos de violación de seguridad</a:t>
             </a:r>
             <a:endParaRPr lang="es-ES" dirty="0"/>
           </a:p>
@@ -3799,7 +3779,7 @@
               <a:rPr lang="es-ES" sz="1200" dirty="0">
                 <a:latin typeface="Arial" charset="0"/>
               </a:rPr>
-              <a:t>Seguridad de switches: Administración e implementación</a:t>
+              <a:t>Seguridad de switches: administración e implementación</a:t>
             </a:r>
             <a:endParaRPr lang="es-ES" sz="1200" kern="1200" dirty="0">
               <a:solidFill>
@@ -3848,7 +3828,7 @@
               <a:rPr lang="es-ES" dirty="0">
                 <a:latin typeface="Arial" charset="0"/>
               </a:rPr>
-              <a:t>5.2.2.5 – Seguridad de puertos: Verificación</a:t>
+              <a:t>5.2.2.4 – Seguridad de puertos: Configuración</a:t>
             </a:r>
             <a:endParaRPr lang="es-ES" dirty="0"/>
           </a:p>
@@ -4198,7 +4178,338 @@
     </p:spTree>
     <p:extLst>
       <p:ext uri="{BB962C8B-B14F-4D97-AF65-F5344CB8AC3E}">
-        <p14:creationId xmlns:p14="http://schemas.microsoft.com/office/powerpoint/2010/main" val="2443230538"/>
+        <p14:creationId xmlns:p14="http://schemas.microsoft.com/office/powerpoint/2010/main" val="3272236570"/>
+      </p:ext>
+    </p:extLst>
+  </p:cSld>
+  <p:clrMapOvr>
+    <a:masterClrMapping/>
+  </p:clrMapOvr>
+</p:notes>
+</file>
+
+<file path=ppt/notesSlides/notesSlide19.xml><?xml version="1.0" encoding="utf-8"?>
+<p:notes xmlns:a="http://schemas.openxmlformats.org/drawingml/2006/main" xmlns:r="http://schemas.openxmlformats.org/officeDocument/2006/relationships" xmlns:p="http://schemas.openxmlformats.org/presentationml/2006/main">
+  <p:cSld>
+    <p:spTree>
+      <p:nvGrpSpPr>
+        <p:cNvPr id="1" name=""/>
+        <p:cNvGrpSpPr/>
+        <p:nvPr/>
+      </p:nvGrpSpPr>
+      <p:grpSpPr>
+        <a:xfrm>
+          <a:off x="0" y="0"/>
+          <a:ext cx="0" cy="0"/>
+          <a:chOff x="0" y="0"/>
+          <a:chExt cx="0" cy="0"/>
+        </a:xfrm>
+      </p:grpSpPr>
+      <p:sp>
+        <p:nvSpPr>
+          <p:cNvPr id="22529" name="Rectangle 11"/>
+          <p:cNvSpPr>
+            <a:spLocks noGrp="1" noChangeArrowheads="1"/>
+          </p:cNvSpPr>
+          <p:nvPr>
+            <p:ph type="sldNum" sz="quarter" idx="5"/>
+          </p:nvPr>
+        </p:nvSpPr>
+        <p:spPr>
+          <a:noFill/>
+          <a:ln/>
+          <a:extLst>
+            <a:ext uri="{909E8E84-426E-40DD-AFC4-6F175D3DCCD1}">
+              <a14:hiddenFill xmlns:a14="http://schemas.microsoft.com/office/drawing/2010/main">
+                <a:solidFill>
+                  <a:srgbClr val="FFFFFF"/>
+                </a:solidFill>
+              </a14:hiddenFill>
+            </a:ext>
+            <a:ext uri="{91240B29-F687-4F45-9708-019B960494DF}">
+              <a14:hiddenLine xmlns:a14="http://schemas.microsoft.com/office/drawing/2010/main" w="9525">
+                <a:solidFill>
+                  <a:srgbClr val="000000"/>
+                </a:solidFill>
+                <a:miter lim="800000"/>
+                <a:headEnd/>
+                <a:tailEnd/>
+              </a14:hiddenLine>
+            </a:ext>
+          </a:extLst>
+        </p:spPr>
+        <p:txBody>
+          <a:bodyPr/>
+          <a:lstStyle>
+            <a:lvl1pPr defTabSz="903288">
+              <a:defRPr sz="2400">
+                <a:solidFill>
+                  <a:schemeClr val="tx1"/>
+                </a:solidFill>
+                <a:latin typeface="Arial" charset="0"/>
+                <a:ea typeface="ＭＳ Ｐゴシック" charset="0"/>
+                <a:cs typeface="ＭＳ Ｐゴシック" charset="0"/>
+              </a:defRPr>
+            </a:lvl1pPr>
+            <a:lvl2pPr marL="742950" indent="-285750" defTabSz="903288">
+              <a:defRPr sz="2400">
+                <a:solidFill>
+                  <a:schemeClr val="tx1"/>
+                </a:solidFill>
+                <a:latin typeface="Arial" charset="0"/>
+                <a:ea typeface="ＭＳ Ｐゴシック" charset="0"/>
+              </a:defRPr>
+            </a:lvl2pPr>
+            <a:lvl3pPr marL="1143000" indent="-228600" defTabSz="903288">
+              <a:defRPr sz="2400">
+                <a:solidFill>
+                  <a:schemeClr val="tx1"/>
+                </a:solidFill>
+                <a:latin typeface="Arial" charset="0"/>
+                <a:ea typeface="ＭＳ Ｐゴシック" charset="0"/>
+              </a:defRPr>
+            </a:lvl3pPr>
+            <a:lvl4pPr marL="1600200" indent="-228600" defTabSz="903288">
+              <a:defRPr sz="2400">
+                <a:solidFill>
+                  <a:schemeClr val="tx1"/>
+                </a:solidFill>
+                <a:latin typeface="Arial" charset="0"/>
+                <a:ea typeface="ＭＳ Ｐゴシック" charset="0"/>
+              </a:defRPr>
+            </a:lvl4pPr>
+            <a:lvl5pPr marL="2057400" indent="-228600" defTabSz="903288">
+              <a:defRPr sz="2400">
+                <a:solidFill>
+                  <a:schemeClr val="tx1"/>
+                </a:solidFill>
+                <a:latin typeface="Arial" charset="0"/>
+                <a:ea typeface="ＭＳ Ｐゴシック" charset="0"/>
+              </a:defRPr>
+            </a:lvl5pPr>
+            <a:lvl6pPr marL="2514600" indent="-228600" algn="ctr" defTabSz="903288" eaLnBrk="0" fontAlgn="base" hangingPunct="0">
+              <a:lnSpc>
+                <a:spcPct val="90000"/>
+              </a:lnSpc>
+              <a:spcBef>
+                <a:spcPct val="0"/>
+              </a:spcBef>
+              <a:spcAft>
+                <a:spcPct val="0"/>
+              </a:spcAft>
+              <a:defRPr sz="2400">
+                <a:solidFill>
+                  <a:schemeClr val="tx1"/>
+                </a:solidFill>
+                <a:latin typeface="Arial" charset="0"/>
+                <a:ea typeface="ＭＳ Ｐゴシック" charset="0"/>
+              </a:defRPr>
+            </a:lvl6pPr>
+            <a:lvl7pPr marL="2971800" indent="-228600" algn="ctr" defTabSz="903288" eaLnBrk="0" fontAlgn="base" hangingPunct="0">
+              <a:lnSpc>
+                <a:spcPct val="90000"/>
+              </a:lnSpc>
+              <a:spcBef>
+                <a:spcPct val="0"/>
+              </a:spcBef>
+              <a:spcAft>
+                <a:spcPct val="0"/>
+              </a:spcAft>
+              <a:defRPr sz="2400">
+                <a:solidFill>
+                  <a:schemeClr val="tx1"/>
+                </a:solidFill>
+                <a:latin typeface="Arial" charset="0"/>
+                <a:ea typeface="ＭＳ Ｐゴシック" charset="0"/>
+              </a:defRPr>
+            </a:lvl7pPr>
+            <a:lvl8pPr marL="3429000" indent="-228600" algn="ctr" defTabSz="903288" eaLnBrk="0" fontAlgn="base" hangingPunct="0">
+              <a:lnSpc>
+                <a:spcPct val="90000"/>
+              </a:lnSpc>
+              <a:spcBef>
+                <a:spcPct val="0"/>
+              </a:spcBef>
+              <a:spcAft>
+                <a:spcPct val="0"/>
+              </a:spcAft>
+              <a:defRPr sz="2400">
+                <a:solidFill>
+                  <a:schemeClr val="tx1"/>
+                </a:solidFill>
+                <a:latin typeface="Arial" charset="0"/>
+                <a:ea typeface="ＭＳ Ｐゴシック" charset="0"/>
+              </a:defRPr>
+            </a:lvl8pPr>
+            <a:lvl9pPr marL="3886200" indent="-228600" algn="ctr" defTabSz="903288" eaLnBrk="0" fontAlgn="base" hangingPunct="0">
+              <a:lnSpc>
+                <a:spcPct val="90000"/>
+              </a:lnSpc>
+              <a:spcBef>
+                <a:spcPct val="0"/>
+              </a:spcBef>
+              <a:spcAft>
+                <a:spcPct val="0"/>
+              </a:spcAft>
+              <a:defRPr sz="2400">
+                <a:solidFill>
+                  <a:schemeClr val="tx1"/>
+                </a:solidFill>
+                <a:latin typeface="Arial" charset="0"/>
+                <a:ea typeface="ＭＳ Ｐゴシック" charset="0"/>
+              </a:defRPr>
+            </a:lvl9pPr>
+          </a:lstStyle>
+          <a:p>
+            <a:fld id="{3997A419-355F-A04A-96E0-21643AF8E9FF}" type="slidenum">
+              <a:rPr lang="en-US" sz="800"/>
+              <a:pPr/>
+              <a:t>19</a:t>
+            </a:fld>
+            <a:endParaRPr lang="es-ES" sz="800"/>
+          </a:p>
+        </p:txBody>
+      </p:sp>
+      <p:sp>
+        <p:nvSpPr>
+          <p:cNvPr id="22530" name="Rectangle 2"/>
+          <p:cNvSpPr>
+            <a:spLocks noGrp="1" noRot="1" noChangeAspect="1" noChangeArrowheads="1" noTextEdit="1"/>
+          </p:cNvSpPr>
+          <p:nvPr>
+            <p:ph type="sldImg"/>
+          </p:nvPr>
+        </p:nvSpPr>
+        <p:spPr>
+          <a:ln/>
+        </p:spPr>
+      </p:sp>
+      <p:sp>
+        <p:nvSpPr>
+          <p:cNvPr id="22531" name="Rectangle 3"/>
+          <p:cNvSpPr>
+            <a:spLocks noGrp="1" noChangeArrowheads="1"/>
+          </p:cNvSpPr>
+          <p:nvPr>
+            <p:ph type="body" idx="1"/>
+          </p:nvPr>
+        </p:nvSpPr>
+        <p:spPr>
+          <a:noFill/>
+          <a:ln/>
+          <a:extLst>
+            <a:ext uri="{909E8E84-426E-40DD-AFC4-6F175D3DCCD1}">
+              <a14:hiddenFill xmlns:a14="http://schemas.microsoft.com/office/drawing/2010/main">
+                <a:solidFill>
+                  <a:srgbClr val="FFFFFF"/>
+                </a:solidFill>
+              </a14:hiddenFill>
+            </a:ext>
+            <a:ext uri="{91240B29-F687-4F45-9708-019B960494DF}">
+              <a14:hiddenLine xmlns:a14="http://schemas.microsoft.com/office/drawing/2010/main" w="9525">
+                <a:solidFill>
+                  <a:srgbClr val="000000"/>
+                </a:solidFill>
+                <a:miter lim="800000"/>
+                <a:headEnd/>
+                <a:tailEnd/>
+              </a14:hiddenLine>
+            </a:ext>
+          </a:extLst>
+        </p:spPr>
+        <p:txBody>
+          <a:bodyPr/>
+          <a:lstStyle/>
+          <a:p>
+            <a:pPr>
+              <a:lnSpc>
+                <a:spcPct val="80000"/>
+              </a:lnSpc>
+              <a:buFontTx/>
+              <a:buNone/>
+            </a:pPr>
+            <a:r>
+              <a:rPr lang="es-ES" sz="1200" kern="1200" dirty="0">
+                <a:solidFill>
+                  <a:schemeClr val="tx1"/>
+                </a:solidFill>
+                <a:latin typeface="Arial" charset="0"/>
+              </a:rPr>
+              <a:t>5.2 – </a:t>
+            </a:r>
+            <a:r>
+              <a:rPr lang="es-ES" sz="1200" dirty="0">
+                <a:latin typeface="Arial" charset="0"/>
+              </a:rPr>
+              <a:t>Seguridad de switches: Administración e implementación</a:t>
+            </a:r>
+            <a:endParaRPr lang="es-ES" sz="1200" kern="1200" dirty="0">
+              <a:solidFill>
+                <a:schemeClr val="tx1"/>
+              </a:solidFill>
+              <a:latin typeface="Arial" charset="0"/>
+              <a:ea typeface="ＭＳ Ｐゴシック" charset="0"/>
+              <a:cs typeface="ＭＳ Ｐゴシック" charset="0"/>
+            </a:endParaRPr>
+          </a:p>
+          <a:p>
+            <a:pPr>
+              <a:lnSpc>
+                <a:spcPct val="80000"/>
+              </a:lnSpc>
+              <a:buFontTx/>
+              <a:buNone/>
+            </a:pPr>
+            <a:r>
+              <a:rPr lang="es-ES" dirty="0">
+                <a:latin typeface="Arial" charset="0"/>
+              </a:rPr>
+              <a:t>5.2.2 – Seguridad de los puertos de un switch</a:t>
+            </a:r>
+            <a:endParaRPr lang="es-ES" dirty="0"/>
+          </a:p>
+          <a:p>
+            <a:pPr marL="112713" marR="0" indent="-112713" algn="l" defTabSz="1020763" rtl="0" eaLnBrk="0" fontAlgn="base" latinLnBrk="0" hangingPunct="0">
+              <a:lnSpc>
+                <a:spcPct val="80000"/>
+              </a:lnSpc>
+              <a:spcBef>
+                <a:spcPct val="50000"/>
+              </a:spcBef>
+              <a:spcAft>
+                <a:spcPct val="0"/>
+              </a:spcAft>
+              <a:buClrTx/>
+              <a:buSzPct val="100000"/>
+              <a:buFontTx/>
+              <a:buNone/>
+              <a:tabLst/>
+              <a:defRPr/>
+            </a:pPr>
+            <a:r>
+              <a:rPr lang="es-ES" dirty="0">
+                <a:latin typeface="Arial" charset="0"/>
+              </a:rPr>
+              <a:t>5.2.2.5 – Seguridad de puertos: Verificación</a:t>
+            </a:r>
+            <a:endParaRPr lang="es-ES" dirty="0"/>
+          </a:p>
+          <a:p>
+            <a:pPr>
+              <a:lnSpc>
+                <a:spcPct val="80000"/>
+              </a:lnSpc>
+              <a:buFontTx/>
+              <a:buNone/>
+            </a:pPr>
+            <a:endParaRPr lang="es-ES" dirty="0"/>
+          </a:p>
+        </p:txBody>
+      </p:sp>
+    </p:spTree>
+    <p:extLst>
+      <p:ext uri="{BB962C8B-B14F-4D97-AF65-F5344CB8AC3E}">
+        <p14:creationId xmlns:p14="http://schemas.microsoft.com/office/powerpoint/2010/main" val="3272236570"/>
       </p:ext>
     </p:extLst>
   </p:cSld>
@@ -4323,6 +4634,337 @@
     <p:extLst>
       <p:ext uri="{BB962C8B-B14F-4D97-AF65-F5344CB8AC3E}">
         <p14:creationId xmlns:p14="http://schemas.microsoft.com/office/powerpoint/2010/main" val="2867733168"/>
+      </p:ext>
+    </p:extLst>
+  </p:cSld>
+  <p:clrMapOvr>
+    <a:masterClrMapping/>
+  </p:clrMapOvr>
+</p:notes>
+</file>
+
+<file path=ppt/notesSlides/notesSlide20.xml><?xml version="1.0" encoding="utf-8"?>
+<p:notes xmlns:a="http://schemas.openxmlformats.org/drawingml/2006/main" xmlns:r="http://schemas.openxmlformats.org/officeDocument/2006/relationships" xmlns:p="http://schemas.openxmlformats.org/presentationml/2006/main">
+  <p:cSld>
+    <p:spTree>
+      <p:nvGrpSpPr>
+        <p:cNvPr id="1" name=""/>
+        <p:cNvGrpSpPr/>
+        <p:nvPr/>
+      </p:nvGrpSpPr>
+      <p:grpSpPr>
+        <a:xfrm>
+          <a:off x="0" y="0"/>
+          <a:ext cx="0" cy="0"/>
+          <a:chOff x="0" y="0"/>
+          <a:chExt cx="0" cy="0"/>
+        </a:xfrm>
+      </p:grpSpPr>
+      <p:sp>
+        <p:nvSpPr>
+          <p:cNvPr id="22529" name="Rectangle 11"/>
+          <p:cNvSpPr>
+            <a:spLocks noGrp="1" noChangeArrowheads="1"/>
+          </p:cNvSpPr>
+          <p:nvPr>
+            <p:ph type="sldNum" sz="quarter" idx="5"/>
+          </p:nvPr>
+        </p:nvSpPr>
+        <p:spPr>
+          <a:noFill/>
+          <a:ln/>
+          <a:extLst>
+            <a:ext uri="{909E8E84-426E-40DD-AFC4-6F175D3DCCD1}">
+              <a14:hiddenFill xmlns:a14="http://schemas.microsoft.com/office/drawing/2010/main">
+                <a:solidFill>
+                  <a:srgbClr val="FFFFFF"/>
+                </a:solidFill>
+              </a14:hiddenFill>
+            </a:ext>
+            <a:ext uri="{91240B29-F687-4F45-9708-019B960494DF}">
+              <a14:hiddenLine xmlns:a14="http://schemas.microsoft.com/office/drawing/2010/main" w="9525">
+                <a:solidFill>
+                  <a:srgbClr val="000000"/>
+                </a:solidFill>
+                <a:miter lim="800000"/>
+                <a:headEnd/>
+                <a:tailEnd/>
+              </a14:hiddenLine>
+            </a:ext>
+          </a:extLst>
+        </p:spPr>
+        <p:txBody>
+          <a:bodyPr/>
+          <a:lstStyle>
+            <a:lvl1pPr defTabSz="903288">
+              <a:defRPr sz="2400">
+                <a:solidFill>
+                  <a:schemeClr val="tx1"/>
+                </a:solidFill>
+                <a:latin typeface="Arial" charset="0"/>
+                <a:ea typeface="ＭＳ Ｐゴシック" charset="0"/>
+                <a:cs typeface="ＭＳ Ｐゴシック" charset="0"/>
+              </a:defRPr>
+            </a:lvl1pPr>
+            <a:lvl2pPr marL="742950" indent="-285750" defTabSz="903288">
+              <a:defRPr sz="2400">
+                <a:solidFill>
+                  <a:schemeClr val="tx1"/>
+                </a:solidFill>
+                <a:latin typeface="Arial" charset="0"/>
+                <a:ea typeface="ＭＳ Ｐゴシック" charset="0"/>
+              </a:defRPr>
+            </a:lvl2pPr>
+            <a:lvl3pPr marL="1143000" indent="-228600" defTabSz="903288">
+              <a:defRPr sz="2400">
+                <a:solidFill>
+                  <a:schemeClr val="tx1"/>
+                </a:solidFill>
+                <a:latin typeface="Arial" charset="0"/>
+                <a:ea typeface="ＭＳ Ｐゴシック" charset="0"/>
+              </a:defRPr>
+            </a:lvl3pPr>
+            <a:lvl4pPr marL="1600200" indent="-228600" defTabSz="903288">
+              <a:defRPr sz="2400">
+                <a:solidFill>
+                  <a:schemeClr val="tx1"/>
+                </a:solidFill>
+                <a:latin typeface="Arial" charset="0"/>
+                <a:ea typeface="ＭＳ Ｐゴシック" charset="0"/>
+              </a:defRPr>
+            </a:lvl4pPr>
+            <a:lvl5pPr marL="2057400" indent="-228600" defTabSz="903288">
+              <a:defRPr sz="2400">
+                <a:solidFill>
+                  <a:schemeClr val="tx1"/>
+                </a:solidFill>
+                <a:latin typeface="Arial" charset="0"/>
+                <a:ea typeface="ＭＳ Ｐゴシック" charset="0"/>
+              </a:defRPr>
+            </a:lvl5pPr>
+            <a:lvl6pPr marL="2514600" indent="-228600" algn="ctr" defTabSz="903288" eaLnBrk="0" fontAlgn="base" hangingPunct="0">
+              <a:lnSpc>
+                <a:spcPct val="90000"/>
+              </a:lnSpc>
+              <a:spcBef>
+                <a:spcPct val="0"/>
+              </a:spcBef>
+              <a:spcAft>
+                <a:spcPct val="0"/>
+              </a:spcAft>
+              <a:defRPr sz="2400">
+                <a:solidFill>
+                  <a:schemeClr val="tx1"/>
+                </a:solidFill>
+                <a:latin typeface="Arial" charset="0"/>
+                <a:ea typeface="ＭＳ Ｐゴシック" charset="0"/>
+              </a:defRPr>
+            </a:lvl6pPr>
+            <a:lvl7pPr marL="2971800" indent="-228600" algn="ctr" defTabSz="903288" eaLnBrk="0" fontAlgn="base" hangingPunct="0">
+              <a:lnSpc>
+                <a:spcPct val="90000"/>
+              </a:lnSpc>
+              <a:spcBef>
+                <a:spcPct val="0"/>
+              </a:spcBef>
+              <a:spcAft>
+                <a:spcPct val="0"/>
+              </a:spcAft>
+              <a:defRPr sz="2400">
+                <a:solidFill>
+                  <a:schemeClr val="tx1"/>
+                </a:solidFill>
+                <a:latin typeface="Arial" charset="0"/>
+                <a:ea typeface="ＭＳ Ｐゴシック" charset="0"/>
+              </a:defRPr>
+            </a:lvl7pPr>
+            <a:lvl8pPr marL="3429000" indent="-228600" algn="ctr" defTabSz="903288" eaLnBrk="0" fontAlgn="base" hangingPunct="0">
+              <a:lnSpc>
+                <a:spcPct val="90000"/>
+              </a:lnSpc>
+              <a:spcBef>
+                <a:spcPct val="0"/>
+              </a:spcBef>
+              <a:spcAft>
+                <a:spcPct val="0"/>
+              </a:spcAft>
+              <a:defRPr sz="2400">
+                <a:solidFill>
+                  <a:schemeClr val="tx1"/>
+                </a:solidFill>
+                <a:latin typeface="Arial" charset="0"/>
+                <a:ea typeface="ＭＳ Ｐゴシック" charset="0"/>
+              </a:defRPr>
+            </a:lvl8pPr>
+            <a:lvl9pPr marL="3886200" indent="-228600" algn="ctr" defTabSz="903288" eaLnBrk="0" fontAlgn="base" hangingPunct="0">
+              <a:lnSpc>
+                <a:spcPct val="90000"/>
+              </a:lnSpc>
+              <a:spcBef>
+                <a:spcPct val="0"/>
+              </a:spcBef>
+              <a:spcAft>
+                <a:spcPct val="0"/>
+              </a:spcAft>
+              <a:defRPr sz="2400">
+                <a:solidFill>
+                  <a:schemeClr val="tx1"/>
+                </a:solidFill>
+                <a:latin typeface="Arial" charset="0"/>
+                <a:ea typeface="ＭＳ Ｐゴシック" charset="0"/>
+              </a:defRPr>
+            </a:lvl9pPr>
+          </a:lstStyle>
+          <a:p>
+            <a:fld id="{3997A419-355F-A04A-96E0-21643AF8E9FF}" type="slidenum">
+              <a:rPr lang="en-US" sz="800"/>
+              <a:pPr/>
+              <a:t>20</a:t>
+            </a:fld>
+            <a:endParaRPr lang="es-ES" sz="800"/>
+          </a:p>
+        </p:txBody>
+      </p:sp>
+      <p:sp>
+        <p:nvSpPr>
+          <p:cNvPr id="22530" name="Rectangle 2"/>
+          <p:cNvSpPr>
+            <a:spLocks noGrp="1" noRot="1" noChangeAspect="1" noChangeArrowheads="1" noTextEdit="1"/>
+          </p:cNvSpPr>
+          <p:nvPr>
+            <p:ph type="sldImg"/>
+          </p:nvPr>
+        </p:nvSpPr>
+        <p:spPr>
+          <a:ln/>
+        </p:spPr>
+      </p:sp>
+      <p:sp>
+        <p:nvSpPr>
+          <p:cNvPr id="22531" name="Rectangle 3"/>
+          <p:cNvSpPr>
+            <a:spLocks noGrp="1" noChangeArrowheads="1"/>
+          </p:cNvSpPr>
+          <p:nvPr>
+            <p:ph type="body" idx="1"/>
+          </p:nvPr>
+        </p:nvSpPr>
+        <p:spPr>
+          <a:noFill/>
+          <a:ln/>
+          <a:extLst>
+            <a:ext uri="{909E8E84-426E-40DD-AFC4-6F175D3DCCD1}">
+              <a14:hiddenFill xmlns:a14="http://schemas.microsoft.com/office/drawing/2010/main">
+                <a:solidFill>
+                  <a:srgbClr val="FFFFFF"/>
+                </a:solidFill>
+              </a14:hiddenFill>
+            </a:ext>
+            <a:ext uri="{91240B29-F687-4F45-9708-019B960494DF}">
+              <a14:hiddenLine xmlns:a14="http://schemas.microsoft.com/office/drawing/2010/main" w="9525">
+                <a:solidFill>
+                  <a:srgbClr val="000000"/>
+                </a:solidFill>
+                <a:miter lim="800000"/>
+                <a:headEnd/>
+                <a:tailEnd/>
+              </a14:hiddenLine>
+            </a:ext>
+          </a:extLst>
+        </p:spPr>
+        <p:txBody>
+          <a:bodyPr/>
+          <a:lstStyle/>
+          <a:p>
+            <a:pPr>
+              <a:lnSpc>
+                <a:spcPct val="80000"/>
+              </a:lnSpc>
+              <a:buFontTx/>
+              <a:buNone/>
+            </a:pPr>
+            <a:r>
+              <a:rPr lang="es-ES" sz="1200" kern="1200" dirty="0">
+                <a:solidFill>
+                  <a:schemeClr val="tx1"/>
+                </a:solidFill>
+                <a:latin typeface="Arial" charset="0"/>
+              </a:rPr>
+              <a:t>5.2 – </a:t>
+            </a:r>
+            <a:r>
+              <a:rPr lang="es-ES" sz="1200" dirty="0">
+                <a:latin typeface="Arial" charset="0"/>
+              </a:rPr>
+              <a:t>Seguridad de switches: Administración e implementación</a:t>
+            </a:r>
+            <a:endParaRPr lang="es-ES" sz="1200" kern="1200" dirty="0">
+              <a:solidFill>
+                <a:schemeClr val="tx1"/>
+              </a:solidFill>
+              <a:latin typeface="Arial" charset="0"/>
+              <a:ea typeface="ＭＳ Ｐゴシック" charset="0"/>
+              <a:cs typeface="ＭＳ Ｐゴシック" charset="0"/>
+            </a:endParaRPr>
+          </a:p>
+          <a:p>
+            <a:pPr>
+              <a:lnSpc>
+                <a:spcPct val="80000"/>
+              </a:lnSpc>
+              <a:buFontTx/>
+              <a:buNone/>
+            </a:pPr>
+            <a:r>
+              <a:rPr lang="es-ES" dirty="0">
+                <a:latin typeface="Arial" charset="0"/>
+              </a:rPr>
+              <a:t>5.2.2 – Seguridad de los puertos de un switch</a:t>
+            </a:r>
+            <a:endParaRPr lang="es-ES" dirty="0"/>
+          </a:p>
+          <a:p>
+            <a:pPr marL="112713" marR="0" indent="-112713" algn="l" defTabSz="1020763" rtl="0" eaLnBrk="0" fontAlgn="base" latinLnBrk="0" hangingPunct="0">
+              <a:lnSpc>
+                <a:spcPct val="80000"/>
+              </a:lnSpc>
+              <a:spcBef>
+                <a:spcPct val="50000"/>
+              </a:spcBef>
+              <a:spcAft>
+                <a:spcPct val="0"/>
+              </a:spcAft>
+              <a:buClrTx/>
+              <a:buSzPct val="100000"/>
+              <a:buFontTx/>
+              <a:buNone/>
+              <a:tabLst/>
+              <a:defRPr/>
+            </a:pPr>
+            <a:r>
+              <a:rPr lang="es-ES" dirty="0">
+                <a:latin typeface="Arial" charset="0"/>
+              </a:rPr>
+              <a:t>5.2.2.5 – Seguridad de puertos: Verificación</a:t>
+            </a:r>
+            <a:endParaRPr lang="es-ES" dirty="0"/>
+          </a:p>
+          <a:p>
+            <a:pPr>
+              <a:lnSpc>
+                <a:spcPct val="80000"/>
+              </a:lnSpc>
+              <a:buFontTx/>
+              <a:buNone/>
+            </a:pPr>
+            <a:endParaRPr lang="es-ES" dirty="0"/>
+          </a:p>
+        </p:txBody>
+      </p:sp>
+    </p:spTree>
+    <p:extLst>
+      <p:ext uri="{BB962C8B-B14F-4D97-AF65-F5344CB8AC3E}">
+        <p14:creationId xmlns:p14="http://schemas.microsoft.com/office/powerpoint/2010/main" val="2443230538"/>
       </p:ext>
     </p:extLst>
   </p:cSld>
@@ -13128,7 +13770,7 @@
         </p:nvSpPr>
         <p:spPr/>
         <p:txBody>
-          <a:bodyPr anchor="t"/>
+          <a:bodyPr/>
           <a:lstStyle/>
           <a:p>
             <a:pPr eaLnBrk="1" hangingPunct="1"/>
@@ -13145,7 +13787,7 @@
             </a:br>
             <a:r>
               <a:rPr lang="es-ES" dirty="0"/>
-              <a:t>Seguridad de puertos: Modos de violación de seguridad</a:t>
+              <a:t>Seguridad de puertos: Funcionamiento</a:t>
             </a:r>
             <a:endParaRPr lang="es-ES" dirty="0">
               <a:solidFill>
@@ -13164,8 +13806,8 @@
         </p:nvSpPr>
         <p:spPr>
           <a:xfrm>
-            <a:off x="365760" y="1677119"/>
-            <a:ext cx="8305800" cy="3891835"/>
+            <a:off x="-130952" y="1522871"/>
+            <a:ext cx="9096977" cy="4750531"/>
           </a:xfrm>
           <a:prstGeom prst="rect">
             <a:avLst/>
@@ -13176,27 +13818,6 @@
             <a:spAutoFit/>
           </a:bodyPr>
           <a:lstStyle/>
-          <a:p>
-            <a:pPr marL="236538" indent="-236538" algn="l" defTabSz="814388">
-              <a:lnSpc>
-                <a:spcPct val="95000"/>
-              </a:lnSpc>
-              <a:spcBef>
-                <a:spcPct val="50000"/>
-              </a:spcBef>
-              <a:buClr>
-                <a:srgbClr val="708CA1"/>
-              </a:buClr>
-              <a:buFont typeface="Wingdings" charset="0"/>
-              <a:buChar char="§"/>
-            </a:pPr>
-            <a:r>
-              <a:rPr lang="es-ES" sz="2000" dirty="0">
-                <a:latin typeface="+mn-lt"/>
-              </a:rPr>
-              <a:t>IOS considera que hay una violación de seguridad cuando:</a:t>
-            </a:r>
-          </a:p>
           <a:p>
             <a:pPr marL="693738" lvl="2" indent="-236538" algn="l" defTabSz="814388">
               <a:lnSpc>
@@ -13212,14 +13833,81 @@
               <a:buChar char="§"/>
             </a:pPr>
             <a:r>
-              <a:rPr lang="es-ES" sz="1800" dirty="0">
+              <a:rPr lang="es-ES" sz="1800" b="1" dirty="0">
+                <a:solidFill>
+                  <a:srgbClr val="FF0000"/>
+                </a:solidFill>
                 <a:latin typeface="+mn-lt"/>
               </a:rPr>
-              <a:t>Se agregó la cantidad máxima de direcciones MAC seguras a la tabla CAM para esa interfaz, y una estación cuya dirección MAC no figura en la tabla de direcciones intenta acceder a la interfaz.</a:t>
-            </a:r>
-          </a:p>
-          <a:p>
-            <a:pPr marL="236538" indent="-236538" algn="l" defTabSz="814388">
+              <a:t>Direcciones MAC seguras estáticas: </a:t>
+            </a:r>
+          </a:p>
+          <a:p>
+            <a:pPr marL="914400" lvl="3" algn="l" defTabSz="814388">
+              <a:lnSpc>
+                <a:spcPct val="95000"/>
+              </a:lnSpc>
+              <a:spcBef>
+                <a:spcPts val="600"/>
+              </a:spcBef>
+              <a:buClr>
+                <a:srgbClr val="708CA1"/>
+              </a:buClr>
+            </a:pPr>
+            <a:r>
+              <a:rPr lang="es-ES" sz="1800" b="1" dirty="0" err="1">
+                <a:latin typeface="Courier New" panose="02070309020205020404" pitchFamily="49" charset="0"/>
+              </a:rPr>
+              <a:t>switchport</a:t>
+            </a:r>
+            <a:r>
+              <a:rPr lang="es-ES" sz="1800" b="1" dirty="0">
+                <a:latin typeface="Courier New" panose="02070309020205020404" pitchFamily="49" charset="0"/>
+              </a:rPr>
+              <a:t> </a:t>
+            </a:r>
+            <a:r>
+              <a:rPr lang="es-ES" sz="1800" b="1" dirty="0" err="1">
+                <a:latin typeface="Courier New" panose="02070309020205020404" pitchFamily="49" charset="0"/>
+              </a:rPr>
+              <a:t>port-security</a:t>
+            </a:r>
+            <a:r>
+              <a:rPr lang="es-ES" sz="1800" b="1" dirty="0">
+                <a:latin typeface="Courier New" panose="02070309020205020404" pitchFamily="49" charset="0"/>
+              </a:rPr>
+              <a:t> </a:t>
+            </a:r>
+            <a:r>
+              <a:rPr lang="es-ES" sz="1800" b="1" dirty="0" err="1">
+                <a:latin typeface="Courier New" panose="02070309020205020404" pitchFamily="49" charset="0"/>
+              </a:rPr>
+              <a:t>mac-address</a:t>
+            </a:r>
+            <a:r>
+              <a:rPr lang="es-ES" sz="1800" b="1" dirty="0">
+                <a:latin typeface="Courier New" panose="02070309020205020404" pitchFamily="49" charset="0"/>
+              </a:rPr>
+              <a:t> </a:t>
+            </a:r>
+            <a:r>
+              <a:rPr lang="es-ES" sz="1800" i="1" dirty="0">
+                <a:latin typeface="Courier New" panose="02070309020205020404" pitchFamily="49" charset="0"/>
+              </a:rPr>
+              <a:t>dirección-</a:t>
+            </a:r>
+            <a:r>
+              <a:rPr lang="es-ES" sz="1800" i="1" dirty="0" err="1">
+                <a:latin typeface="Courier New" panose="02070309020205020404" pitchFamily="49" charset="0"/>
+              </a:rPr>
+              <a:t>mac</a:t>
+            </a:r>
+            <a:endParaRPr lang="es-ES" sz="1800" i="1" dirty="0">
+              <a:latin typeface="Courier New" panose="02070309020205020404" pitchFamily="49" charset="0"/>
+            </a:endParaRPr>
+          </a:p>
+          <a:p>
+            <a:pPr marL="914400" lvl="3" algn="l" defTabSz="814388">
               <a:lnSpc>
                 <a:spcPct val="95000"/>
               </a:lnSpc>
@@ -13229,15 +13917,247 @@
               <a:buClr>
                 <a:srgbClr val="708CA1"/>
               </a:buClr>
-              <a:buFont typeface="Wingdings" charset="0"/>
-              <a:buChar char="§"/>
             </a:pPr>
-            <a:r>
-              <a:rPr lang="es-ES" sz="2000" dirty="0">
-                <a:latin typeface="+mn-lt"/>
+            <a:endParaRPr lang="es-ES" sz="800" b="1" dirty="0">
+              <a:solidFill>
+                <a:srgbClr val="FF0000"/>
+              </a:solidFill>
+              <a:latin typeface="+mn-lt"/>
+            </a:endParaRPr>
+          </a:p>
+          <a:p>
+            <a:pPr marL="1257300" lvl="2" indent="-342900" algn="l">
+              <a:lnSpc>
+                <a:spcPct val="100000"/>
+              </a:lnSpc>
+              <a:spcAft>
+                <a:spcPts val="0"/>
+              </a:spcAft>
+              <a:buSzPts val="1000"/>
+              <a:buFont typeface="Symbol" panose="05050102010706020507" pitchFamily="18" charset="2"/>
+              <a:buChar char=""/>
+              <a:tabLst>
+                <a:tab pos="457200" algn="l"/>
+              </a:tabLst>
+            </a:pPr>
+            <a:r>
+              <a:rPr lang="es-MX" sz="1800" dirty="0">
+                <a:solidFill>
+                  <a:srgbClr val="111111"/>
+                </a:solidFill>
+                <a:effectLst/>
+                <a:latin typeface="Arial" panose="020B0604020202020204" pitchFamily="34" charset="0"/>
+                <a:ea typeface="Times New Roman" panose="02020603050405020304" pitchFamily="18" charset="0"/>
+                <a:cs typeface="Times New Roman" panose="02020603050405020304" pitchFamily="18" charset="0"/>
               </a:rPr>
-              <a:t>Cuando se detecta una violación, hay tres acciones posibles que se pueden realizar:</a:t>
-            </a:r>
+              <a:t>Se configura manualmente.</a:t>
+            </a:r>
+            <a:endParaRPr lang="es-MX" sz="1800" dirty="0">
+              <a:effectLst/>
+              <a:latin typeface="Calibri" panose="020F0502020204030204" pitchFamily="34" charset="0"/>
+              <a:ea typeface="Calibri" panose="020F0502020204030204" pitchFamily="34" charset="0"/>
+              <a:cs typeface="Times New Roman" panose="02020603050405020304" pitchFamily="18" charset="0"/>
+            </a:endParaRPr>
+          </a:p>
+          <a:p>
+            <a:pPr marL="1257300" lvl="2" indent="-342900" algn="l">
+              <a:lnSpc>
+                <a:spcPct val="100000"/>
+              </a:lnSpc>
+              <a:spcAft>
+                <a:spcPts val="0"/>
+              </a:spcAft>
+              <a:buSzPts val="1000"/>
+              <a:buFont typeface="Symbol" panose="05050102010706020507" pitchFamily="18" charset="2"/>
+              <a:buChar char=""/>
+              <a:tabLst>
+                <a:tab pos="457200" algn="l"/>
+              </a:tabLst>
+            </a:pPr>
+            <a:r>
+              <a:rPr lang="es-MX" sz="1800" dirty="0">
+                <a:solidFill>
+                  <a:srgbClr val="111111"/>
+                </a:solidFill>
+                <a:effectLst/>
+                <a:latin typeface="Arial" panose="020B0604020202020204" pitchFamily="34" charset="0"/>
+                <a:ea typeface="Times New Roman" panose="02020603050405020304" pitchFamily="18" charset="0"/>
+                <a:cs typeface="Times New Roman" panose="02020603050405020304" pitchFamily="18" charset="0"/>
+              </a:rPr>
+              <a:t>Se agrega a la tabla de direcciones CAM (</a:t>
+            </a:r>
+            <a:r>
+              <a:rPr lang="es-MX" sz="1400" b="0" i="0" dirty="0">
+                <a:solidFill>
+                  <a:srgbClr val="54565A"/>
+                </a:solidFill>
+                <a:effectLst/>
+                <a:latin typeface="Open Sans" panose="020B0606030504020204" pitchFamily="34" charset="0"/>
+              </a:rPr>
+              <a:t>Content </a:t>
+            </a:r>
+            <a:r>
+              <a:rPr lang="es-MX" sz="1400" b="0" i="0" dirty="0" err="1">
+                <a:solidFill>
+                  <a:srgbClr val="54565A"/>
+                </a:solidFill>
+                <a:effectLst/>
+                <a:latin typeface="Open Sans" panose="020B0606030504020204" pitchFamily="34" charset="0"/>
+              </a:rPr>
+              <a:t>Addressable</a:t>
+            </a:r>
+            <a:r>
+              <a:rPr lang="es-MX" sz="1400" b="0" i="0" dirty="0">
+                <a:solidFill>
+                  <a:srgbClr val="54565A"/>
+                </a:solidFill>
+                <a:effectLst/>
+                <a:latin typeface="Open Sans" panose="020B0606030504020204" pitchFamily="34" charset="0"/>
+              </a:rPr>
+              <a:t> </a:t>
+            </a:r>
+            <a:r>
+              <a:rPr lang="es-MX" sz="1400" b="0" i="0" dirty="0" err="1">
+                <a:solidFill>
+                  <a:srgbClr val="54565A"/>
+                </a:solidFill>
+                <a:effectLst/>
+                <a:latin typeface="Open Sans" panose="020B0606030504020204" pitchFamily="34" charset="0"/>
+              </a:rPr>
+              <a:t>Memory</a:t>
+            </a:r>
+            <a:r>
+              <a:rPr lang="es-MX" sz="1400" b="0" i="0" dirty="0">
+                <a:solidFill>
+                  <a:srgbClr val="54565A"/>
+                </a:solidFill>
+                <a:effectLst/>
+                <a:latin typeface="Open Sans" panose="020B0606030504020204" pitchFamily="34" charset="0"/>
+              </a:rPr>
+              <a:t>)</a:t>
+            </a:r>
+            <a:r>
+              <a:rPr lang="es-MX" sz="1800" dirty="0">
+                <a:solidFill>
+                  <a:srgbClr val="111111"/>
+                </a:solidFill>
+                <a:effectLst/>
+                <a:latin typeface="Arial" panose="020B0604020202020204" pitchFamily="34" charset="0"/>
+                <a:ea typeface="Times New Roman" panose="02020603050405020304" pitchFamily="18" charset="0"/>
+                <a:cs typeface="Times New Roman" panose="02020603050405020304" pitchFamily="18" charset="0"/>
+              </a:rPr>
+              <a:t>.</a:t>
+            </a:r>
+            <a:endParaRPr lang="es-MX" sz="1800" dirty="0">
+              <a:effectLst/>
+              <a:latin typeface="Calibri" panose="020F0502020204030204" pitchFamily="34" charset="0"/>
+              <a:ea typeface="Calibri" panose="020F0502020204030204" pitchFamily="34" charset="0"/>
+              <a:cs typeface="Times New Roman" panose="02020603050405020304" pitchFamily="18" charset="0"/>
+            </a:endParaRPr>
+          </a:p>
+          <a:p>
+            <a:pPr marL="1257300" lvl="2" indent="-342900" algn="l">
+              <a:lnSpc>
+                <a:spcPct val="100000"/>
+              </a:lnSpc>
+              <a:spcAft>
+                <a:spcPts val="0"/>
+              </a:spcAft>
+              <a:buSzPts val="1000"/>
+              <a:buFont typeface="Symbol" panose="05050102010706020507" pitchFamily="18" charset="2"/>
+              <a:buChar char=""/>
+              <a:tabLst>
+                <a:tab pos="457200" algn="l"/>
+              </a:tabLst>
+            </a:pPr>
+            <a:r>
+              <a:rPr lang="es-MX" sz="1800" dirty="0">
+                <a:solidFill>
+                  <a:srgbClr val="111111"/>
+                </a:solidFill>
+                <a:effectLst/>
+                <a:latin typeface="Arial" panose="020B0604020202020204" pitchFamily="34" charset="0"/>
+                <a:ea typeface="Times New Roman" panose="02020603050405020304" pitchFamily="18" charset="0"/>
+                <a:cs typeface="Times New Roman" panose="02020603050405020304" pitchFamily="18" charset="0"/>
+              </a:rPr>
+              <a:t>Se guarda en la </a:t>
+            </a:r>
+            <a:r>
+              <a:rPr lang="es-MX" sz="1800" i="1" dirty="0">
+                <a:solidFill>
+                  <a:srgbClr val="111111"/>
+                </a:solidFill>
+                <a:effectLst/>
+                <a:latin typeface="Arial" panose="020B0604020202020204" pitchFamily="34" charset="0"/>
+                <a:ea typeface="Times New Roman" panose="02020603050405020304" pitchFamily="18" charset="0"/>
+                <a:cs typeface="Times New Roman" panose="02020603050405020304" pitchFamily="18" charset="0"/>
+              </a:rPr>
+              <a:t>running-</a:t>
+            </a:r>
+            <a:r>
+              <a:rPr lang="es-MX" sz="1800" i="1" dirty="0" err="1">
+                <a:solidFill>
+                  <a:srgbClr val="111111"/>
+                </a:solidFill>
+                <a:effectLst/>
+                <a:latin typeface="Arial" panose="020B0604020202020204" pitchFamily="34" charset="0"/>
+                <a:ea typeface="Times New Roman" panose="02020603050405020304" pitchFamily="18" charset="0"/>
+                <a:cs typeface="Times New Roman" panose="02020603050405020304" pitchFamily="18" charset="0"/>
+              </a:rPr>
+              <a:t>config</a:t>
+            </a:r>
+            <a:r>
+              <a:rPr lang="es-MX" sz="1800" dirty="0">
+                <a:solidFill>
+                  <a:srgbClr val="111111"/>
+                </a:solidFill>
+                <a:effectLst/>
+                <a:latin typeface="Arial" panose="020B0604020202020204" pitchFamily="34" charset="0"/>
+                <a:ea typeface="Times New Roman" panose="02020603050405020304" pitchFamily="18" charset="0"/>
+                <a:cs typeface="Times New Roman" panose="02020603050405020304" pitchFamily="18" charset="0"/>
+              </a:rPr>
+              <a:t>.</a:t>
+            </a:r>
+            <a:endParaRPr lang="es-MX" sz="1800" dirty="0">
+              <a:effectLst/>
+              <a:latin typeface="Calibri" panose="020F0502020204030204" pitchFamily="34" charset="0"/>
+              <a:ea typeface="Calibri" panose="020F0502020204030204" pitchFamily="34" charset="0"/>
+              <a:cs typeface="Times New Roman" panose="02020603050405020304" pitchFamily="18" charset="0"/>
+            </a:endParaRPr>
+          </a:p>
+          <a:p>
+            <a:pPr marL="1257300" lvl="2" indent="-342900" algn="l">
+              <a:lnSpc>
+                <a:spcPct val="100000"/>
+              </a:lnSpc>
+              <a:spcAft>
+                <a:spcPts val="0"/>
+              </a:spcAft>
+              <a:buSzPts val="1000"/>
+              <a:buFont typeface="Symbol" panose="05050102010706020507" pitchFamily="18" charset="2"/>
+              <a:buChar char=""/>
+              <a:tabLst>
+                <a:tab pos="457200" algn="l"/>
+              </a:tabLst>
+            </a:pPr>
+            <a:r>
+              <a:rPr lang="es-MX" sz="1800" dirty="0">
+                <a:solidFill>
+                  <a:srgbClr val="111111"/>
+                </a:solidFill>
+                <a:effectLst/>
+                <a:latin typeface="Arial" panose="020B0604020202020204" pitchFamily="34" charset="0"/>
+                <a:ea typeface="Times New Roman" panose="02020603050405020304" pitchFamily="18" charset="0"/>
+                <a:cs typeface="Times New Roman" panose="02020603050405020304" pitchFamily="18" charset="0"/>
+              </a:rPr>
+              <a:t>Se puede hacer permanente guardando la configuración.</a:t>
+            </a:r>
+            <a:endParaRPr lang="es-MX" sz="1800" dirty="0">
+              <a:effectLst/>
+              <a:latin typeface="Calibri" panose="020F0502020204030204" pitchFamily="34" charset="0"/>
+              <a:ea typeface="Calibri" panose="020F0502020204030204" pitchFamily="34" charset="0"/>
+              <a:cs typeface="Times New Roman" panose="02020603050405020304" pitchFamily="18" charset="0"/>
+            </a:endParaRPr>
           </a:p>
           <a:p>
             <a:pPr marL="693738" lvl="2" indent="-236538" algn="l" defTabSz="814388">
@@ -13254,10 +14174,151 @@
               <a:buChar char="§"/>
             </a:pPr>
             <a:r>
-              <a:rPr lang="es-ES" sz="1800" dirty="0">
+              <a:rPr lang="es-ES" sz="1800" b="1" dirty="0">
+                <a:solidFill>
+                  <a:srgbClr val="FF0000"/>
+                </a:solidFill>
                 <a:latin typeface="+mn-lt"/>
               </a:rPr>
-              <a:t>Proteger: no se recibe ninguna notificación</a:t>
+              <a:t>Direcciones MAC seguras dinámicas:</a:t>
+            </a:r>
+          </a:p>
+          <a:p>
+            <a:pPr marL="1257300" lvl="2" indent="-342900" algn="l">
+              <a:lnSpc>
+                <a:spcPct val="100000"/>
+              </a:lnSpc>
+              <a:spcAft>
+                <a:spcPts val="0"/>
+              </a:spcAft>
+              <a:buSzPts val="1000"/>
+              <a:buFont typeface="Symbol" panose="05050102010706020507" pitchFamily="18" charset="2"/>
+              <a:buChar char=""/>
+              <a:tabLst>
+                <a:tab pos="457200" algn="l"/>
+              </a:tabLst>
+            </a:pPr>
+            <a:r>
+              <a:rPr lang="es-ES" sz="1800" dirty="0">
+                <a:solidFill>
+                  <a:srgbClr val="111111"/>
+                </a:solidFill>
+                <a:latin typeface="Arial" panose="020B0604020202020204" pitchFamily="34" charset="0"/>
+                <a:cs typeface="Times New Roman" panose="02020603050405020304" pitchFamily="18" charset="0"/>
+              </a:rPr>
+              <a:t>Se aprende del tráfico que atraviesa la interfaz.</a:t>
+            </a:r>
+          </a:p>
+          <a:p>
+            <a:pPr marL="1257300" lvl="2" indent="-342900" algn="l">
+              <a:lnSpc>
+                <a:spcPct val="100000"/>
+              </a:lnSpc>
+              <a:spcAft>
+                <a:spcPts val="0"/>
+              </a:spcAft>
+              <a:buSzPts val="1000"/>
+              <a:buFont typeface="Symbol" panose="05050102010706020507" pitchFamily="18" charset="2"/>
+              <a:buChar char=""/>
+              <a:tabLst>
+                <a:tab pos="457200" algn="l"/>
+              </a:tabLst>
+            </a:pPr>
+            <a:r>
+              <a:rPr lang="es-ES" sz="1800" dirty="0">
+                <a:solidFill>
+                  <a:srgbClr val="111111"/>
+                </a:solidFill>
+                <a:latin typeface="Arial" panose="020B0604020202020204" pitchFamily="34" charset="0"/>
+                <a:cs typeface="Times New Roman" panose="02020603050405020304" pitchFamily="18" charset="0"/>
+              </a:rPr>
+              <a:t>Se la guarda en la tabla de direcciones CAM (</a:t>
+            </a:r>
+            <a:r>
+              <a:rPr lang="es-MX" sz="1400" b="0" i="0" dirty="0">
+                <a:solidFill>
+                  <a:srgbClr val="54565A"/>
+                </a:solidFill>
+                <a:effectLst/>
+                <a:latin typeface="Open Sans" panose="020B0606030504020204" pitchFamily="34" charset="0"/>
+              </a:rPr>
+              <a:t>Content </a:t>
+            </a:r>
+            <a:r>
+              <a:rPr lang="es-MX" sz="1400" b="0" i="0" dirty="0" err="1">
+                <a:solidFill>
+                  <a:srgbClr val="54565A"/>
+                </a:solidFill>
+                <a:effectLst/>
+                <a:latin typeface="Open Sans" panose="020B0606030504020204" pitchFamily="34" charset="0"/>
+              </a:rPr>
+              <a:t>Addressable</a:t>
+            </a:r>
+            <a:r>
+              <a:rPr lang="es-MX" sz="1400" b="0" i="0" dirty="0">
+                <a:solidFill>
+                  <a:srgbClr val="54565A"/>
+                </a:solidFill>
+                <a:effectLst/>
+                <a:latin typeface="Open Sans" panose="020B0606030504020204" pitchFamily="34" charset="0"/>
+              </a:rPr>
+              <a:t> </a:t>
+            </a:r>
+            <a:r>
+              <a:rPr lang="es-MX" sz="1400" b="0" i="0" dirty="0" err="1">
+                <a:solidFill>
+                  <a:srgbClr val="54565A"/>
+                </a:solidFill>
+                <a:effectLst/>
+                <a:latin typeface="Open Sans" panose="020B0606030504020204" pitchFamily="34" charset="0"/>
+              </a:rPr>
+              <a:t>Memory</a:t>
+            </a:r>
+            <a:r>
+              <a:rPr lang="es-MX" sz="1400" b="0" i="0" dirty="0">
+                <a:solidFill>
+                  <a:srgbClr val="54565A"/>
+                </a:solidFill>
+                <a:effectLst/>
+                <a:latin typeface="Open Sans" panose="020B0606030504020204" pitchFamily="34" charset="0"/>
+              </a:rPr>
+              <a:t>)</a:t>
+            </a:r>
+            <a:r>
+              <a:rPr lang="es-ES" sz="1800" dirty="0">
+                <a:solidFill>
+                  <a:srgbClr val="111111"/>
+                </a:solidFill>
+                <a:latin typeface="Arial" panose="020B0604020202020204" pitchFamily="34" charset="0"/>
+                <a:cs typeface="Times New Roman" panose="02020603050405020304" pitchFamily="18" charset="0"/>
+              </a:rPr>
+              <a:t>.</a:t>
+            </a:r>
+          </a:p>
+          <a:p>
+            <a:pPr marL="1257300" lvl="2" indent="-342900" algn="l">
+              <a:lnSpc>
+                <a:spcPct val="100000"/>
+              </a:lnSpc>
+              <a:spcAft>
+                <a:spcPts val="0"/>
+              </a:spcAft>
+              <a:buSzPts val="1000"/>
+              <a:buFont typeface="Symbol" panose="05050102010706020507" pitchFamily="18" charset="2"/>
+              <a:buChar char=""/>
+              <a:tabLst>
+                <a:tab pos="457200" algn="l"/>
+              </a:tabLst>
+            </a:pPr>
+            <a:r>
+              <a:rPr lang="es-ES" sz="1800" dirty="0">
+                <a:solidFill>
+                  <a:srgbClr val="111111"/>
+                </a:solidFill>
+                <a:latin typeface="Arial" panose="020B0604020202020204" pitchFamily="34" charset="0"/>
+                <a:cs typeface="Times New Roman" panose="02020603050405020304" pitchFamily="18" charset="0"/>
+              </a:rPr>
+              <a:t>Se pierde cuando se reinicia el equipo.</a:t>
             </a:r>
           </a:p>
           <a:p>
@@ -13275,14 +14336,23 @@
               <a:buChar char="§"/>
             </a:pPr>
             <a:r>
+              <a:rPr lang="es-ES" sz="1800" b="1" dirty="0">
+                <a:solidFill>
+                  <a:srgbClr val="FF0000"/>
+                </a:solidFill>
+                <a:latin typeface="+mn-lt"/>
+              </a:rPr>
+              <a:t>Direcciones MAC seguras persistentes:</a:t>
+            </a:r>
+            <a:r>
               <a:rPr lang="es-ES" sz="1800" dirty="0">
                 <a:latin typeface="+mn-lt"/>
               </a:rPr>
-              <a:t>Restringir: se recibe una notificación sobre una violación de seguridad</a:t>
-            </a:r>
-          </a:p>
-          <a:p>
-            <a:pPr marL="693738" lvl="2" indent="-236538" algn="l" defTabSz="814388">
+              <a:t> </a:t>
+            </a:r>
+          </a:p>
+          <a:p>
+            <a:pPr marL="914400" lvl="3" algn="l" defTabSz="814388">
               <a:lnSpc>
                 <a:spcPct val="95000"/>
               </a:lnSpc>
@@ -13292,18 +14362,55 @@
               <a:buClr>
                 <a:srgbClr val="708CA1"/>
               </a:buClr>
-              <a:buFont typeface="Wingdings" charset="0"/>
-              <a:buChar char="§"/>
             </a:pPr>
             <a:r>
-              <a:rPr lang="es-ES" sz="1800" dirty="0">
-                <a:latin typeface="+mn-lt"/>
+              <a:rPr lang="es-ES" sz="1800" b="1" dirty="0" err="1">
+                <a:latin typeface="Courier New" panose="02070309020205020404" pitchFamily="49" charset="0"/>
               </a:rPr>
-              <a:t>Apagar</a:t>
-            </a:r>
-          </a:p>
-          <a:p>
-            <a:pPr marL="693738" lvl="2" indent="-236538" algn="l" defTabSz="814388">
+              <a:t>switchport</a:t>
+            </a:r>
+            <a:r>
+              <a:rPr lang="es-ES" sz="1800" b="1" dirty="0">
+                <a:latin typeface="Courier New" panose="02070309020205020404" pitchFamily="49" charset="0"/>
+              </a:rPr>
+              <a:t> </a:t>
+            </a:r>
+            <a:r>
+              <a:rPr lang="es-ES" sz="1800" b="1" dirty="0" err="1">
+                <a:latin typeface="Courier New" panose="02070309020205020404" pitchFamily="49" charset="0"/>
+              </a:rPr>
+              <a:t>port-security</a:t>
+            </a:r>
+            <a:r>
+              <a:rPr lang="es-ES" sz="1800" b="1" dirty="0">
+                <a:latin typeface="Courier New" panose="02070309020205020404" pitchFamily="49" charset="0"/>
+              </a:rPr>
+              <a:t> </a:t>
+            </a:r>
+            <a:r>
+              <a:rPr lang="es-ES" sz="1800" b="1" dirty="0" err="1">
+                <a:latin typeface="Courier New" panose="02070309020205020404" pitchFamily="49" charset="0"/>
+              </a:rPr>
+              <a:t>mac-address</a:t>
+            </a:r>
+            <a:r>
+              <a:rPr lang="es-ES" sz="1800" b="1" dirty="0">
+                <a:latin typeface="Courier New" panose="02070309020205020404" pitchFamily="49" charset="0"/>
+              </a:rPr>
+              <a:t> </a:t>
+            </a:r>
+            <a:r>
+              <a:rPr lang="es-ES" sz="1800" b="1" dirty="0" err="1">
+                <a:latin typeface="Courier New" panose="02070309020205020404" pitchFamily="49" charset="0"/>
+              </a:rPr>
+              <a:t>sticky</a:t>
+            </a:r>
+            <a:endParaRPr lang="es-ES" sz="1800" b="1" dirty="0">
+              <a:latin typeface="Courier New" panose="02070309020205020404" pitchFamily="49" charset="0"/>
+            </a:endParaRPr>
+          </a:p>
+          <a:p>
+            <a:pPr marL="914400" lvl="3" algn="l" defTabSz="814388">
               <a:lnSpc>
                 <a:spcPct val="95000"/>
               </a:lnSpc>
@@ -13313,71 +14420,106 @@
               <a:buClr>
                 <a:srgbClr val="708CA1"/>
               </a:buClr>
-              <a:buFont typeface="Wingdings" charset="0"/>
-              <a:buChar char="§"/>
             </a:pPr>
-            <a:r>
-              <a:rPr lang="es-ES" sz="1800" dirty="0"/>
-              <a:t>Comando del modo de configuración de interfaces </a:t>
-            </a:r>
-            <a:r>
-              <a:rPr lang="es-ES" sz="1800" b="1" dirty="0">
-                <a:latin typeface="Courier New" panose="02070309020205020404" pitchFamily="49" charset="0"/>
-              </a:rPr>
-              <a:t>switchport port-security violation </a:t>
-            </a:r>
-            <a:r>
-              <a:rPr lang="es-ES" sz="1800" dirty="0">
-                <a:latin typeface="Courier New" panose="02070309020205020404" pitchFamily="49" charset="0"/>
-              </a:rPr>
-              <a:t>{</a:t>
-            </a:r>
-            <a:r>
-              <a:rPr lang="es-ES" sz="1800" b="1" i="1" dirty="0">
-                <a:latin typeface="Courier New" panose="02070309020205020404" pitchFamily="49" charset="0"/>
-              </a:rPr>
-              <a:t>protect </a:t>
-            </a:r>
-            <a:r>
-              <a:rPr lang="es-ES" sz="1800" i="1" dirty="0">
-                <a:latin typeface="Courier New" panose="02070309020205020404" pitchFamily="49" charset="0"/>
-              </a:rPr>
-              <a:t>|</a:t>
-            </a:r>
-            <a:r>
-              <a:rPr lang="es-ES" sz="1800" b="1" i="1" dirty="0">
-                <a:latin typeface="Courier New" panose="02070309020205020404" pitchFamily="49" charset="0"/>
-              </a:rPr>
-              <a:t> restrict </a:t>
-            </a:r>
-            <a:r>
-              <a:rPr lang="es-ES" sz="1800" i="1" dirty="0">
-                <a:latin typeface="Courier New" panose="02070309020205020404" pitchFamily="49" charset="0"/>
-              </a:rPr>
-              <a:t>|</a:t>
-            </a:r>
-            <a:r>
-              <a:rPr lang="es-ES" sz="1800" b="1" i="1" dirty="0">
-                <a:latin typeface="Courier New" panose="02070309020205020404" pitchFamily="49" charset="0"/>
-              </a:rPr>
-              <a:t>shutdown</a:t>
-            </a:r>
-            <a:r>
-              <a:rPr lang="es-ES" sz="1800" dirty="0">
-                <a:latin typeface="Courier New" panose="02070309020205020404" pitchFamily="49" charset="0"/>
-              </a:rPr>
-              <a:t>}</a:t>
-            </a:r>
-            <a:endParaRPr lang="es-ES" sz="1800" dirty="0">
+            <a:endParaRPr lang="es-ES" sz="800" dirty="0">
               <a:latin typeface="+mn-lt"/>
             </a:endParaRPr>
+          </a:p>
+          <a:p>
+            <a:pPr marL="1257300" lvl="2" indent="-342900" algn="l" defTabSz="814388">
+              <a:lnSpc>
+                <a:spcPct val="100000"/>
+              </a:lnSpc>
+              <a:spcAft>
+                <a:spcPts val="0"/>
+              </a:spcAft>
+              <a:buClr>
+                <a:srgbClr val="708CA1"/>
+              </a:buClr>
+              <a:buSzPts val="1000"/>
+              <a:buFont typeface="Symbol" panose="05050102010706020507" pitchFamily="18" charset="2"/>
+              <a:buChar char=""/>
+              <a:tabLst>
+                <a:tab pos="457200" algn="l"/>
+              </a:tabLst>
+            </a:pPr>
+            <a:r>
+              <a:rPr lang="es-ES" sz="1800" dirty="0">
+                <a:solidFill>
+                  <a:srgbClr val="111111"/>
+                </a:solidFill>
+                <a:latin typeface="Arial" panose="020B0604020202020204" pitchFamily="34" charset="0"/>
+                <a:cs typeface="Times New Roman" panose="02020603050405020304" pitchFamily="18" charset="0"/>
+              </a:rPr>
+              <a:t>Le dice al </a:t>
+            </a:r>
+            <a:r>
+              <a:rPr lang="es-ES" sz="1800" dirty="0" err="1">
+                <a:solidFill>
+                  <a:srgbClr val="111111"/>
+                </a:solidFill>
+                <a:latin typeface="Arial" panose="020B0604020202020204" pitchFamily="34" charset="0"/>
+                <a:cs typeface="Times New Roman" panose="02020603050405020304" pitchFamily="18" charset="0"/>
+              </a:rPr>
+              <a:t>switch</a:t>
+            </a:r>
+            <a:r>
+              <a:rPr lang="es-ES" sz="1800" dirty="0">
+                <a:solidFill>
+                  <a:srgbClr val="111111"/>
+                </a:solidFill>
+                <a:latin typeface="Arial" panose="020B0604020202020204" pitchFamily="34" charset="0"/>
+                <a:cs typeface="Times New Roman" panose="02020603050405020304" pitchFamily="18" charset="0"/>
+              </a:rPr>
+              <a:t> que de forma dinámica aprenda la dirección MAC de origen y agregue los comandos </a:t>
+            </a:r>
+            <a:r>
+              <a:rPr lang="es-ES" sz="1800" dirty="0" err="1">
+                <a:solidFill>
+                  <a:srgbClr val="111111"/>
+                </a:solidFill>
+                <a:latin typeface="Arial" panose="020B0604020202020204" pitchFamily="34" charset="0"/>
+                <a:cs typeface="Times New Roman" panose="02020603050405020304" pitchFamily="18" charset="0"/>
+              </a:rPr>
+              <a:t>port-security</a:t>
+            </a:r>
+            <a:r>
+              <a:rPr lang="es-ES" sz="1800" dirty="0">
+                <a:solidFill>
+                  <a:srgbClr val="111111"/>
+                </a:solidFill>
+                <a:latin typeface="Arial" panose="020B0604020202020204" pitchFamily="34" charset="0"/>
+                <a:cs typeface="Times New Roman" panose="02020603050405020304" pitchFamily="18" charset="0"/>
+              </a:rPr>
+              <a:t> al running-</a:t>
+            </a:r>
+            <a:r>
+              <a:rPr lang="es-ES" sz="1800" dirty="0" err="1">
+                <a:solidFill>
+                  <a:srgbClr val="111111"/>
+                </a:solidFill>
+                <a:latin typeface="Arial" panose="020B0604020202020204" pitchFamily="34" charset="0"/>
+                <a:cs typeface="Times New Roman" panose="02020603050405020304" pitchFamily="18" charset="0"/>
+              </a:rPr>
+              <a:t>config</a:t>
+            </a:r>
+            <a:r>
+              <a:rPr lang="es-ES" sz="1800" dirty="0">
+                <a:solidFill>
+                  <a:srgbClr val="111111"/>
+                </a:solidFill>
+                <a:latin typeface="Arial" panose="020B0604020202020204" pitchFamily="34" charset="0"/>
+                <a:cs typeface="Times New Roman" panose="02020603050405020304" pitchFamily="18" charset="0"/>
+              </a:rPr>
+              <a:t>.</a:t>
+            </a:r>
           </a:p>
         </p:txBody>
       </p:sp>
     </p:spTree>
     <p:extLst>
       <p:ext uri="{BB962C8B-B14F-4D97-AF65-F5344CB8AC3E}">
-        <p14:creationId xmlns:p14="http://schemas.microsoft.com/office/powerpoint/2010/main" val="4078762780"/>
+        <p14:creationId xmlns:p14="http://schemas.microsoft.com/office/powerpoint/2010/main" val="354663762"/>
       </p:ext>
     </p:extLst>
   </p:cSld>
@@ -13419,24 +14561,36 @@
         </p:nvSpPr>
         <p:spPr/>
         <p:txBody>
-          <a:bodyPr anchor="t"/>
+          <a:bodyPr/>
           <a:lstStyle/>
           <a:p>
             <a:pPr eaLnBrk="1" hangingPunct="1"/>
             <a:r>
               <a:rPr lang="es-ES" sz="1800" dirty="0"/>
-              <a:t>Seguridad de los puertos de un </a:t>
-            </a:r>
-            <a:r>
-              <a:rPr lang="es-ES" sz="1800" dirty="0" err="1"/>
-              <a:t>switch</a:t>
+              <a:t>Tabla CAM</a:t>
             </a:r>
             <a:br>
               <a:rPr dirty="0"/>
             </a:br>
             <a:r>
               <a:rPr lang="es-ES" dirty="0"/>
-              <a:t>Seguridad de puertos: Modos de violación de seguridad (continuación)</a:t>
+              <a:t>CAM (Content </a:t>
+            </a:r>
+            <a:r>
+              <a:rPr lang="es-ES" dirty="0" err="1"/>
+              <a:t>Addressable</a:t>
+            </a:r>
+            <a:r>
+              <a:rPr lang="es-ES" dirty="0"/>
+              <a:t> </a:t>
+            </a:r>
+            <a:r>
+              <a:rPr lang="es-ES" dirty="0" err="1"/>
+              <a:t>Memory</a:t>
+            </a:r>
+            <a:r>
+              <a:rPr lang="es-ES" dirty="0"/>
+              <a:t>)</a:t>
             </a:r>
             <a:endParaRPr lang="es-ES" dirty="0">
               <a:solidFill>
@@ -13449,61 +14603,38 @@
       </p:sp>
       <p:pic>
         <p:nvPicPr>
-          <p:cNvPr id="17410" name="Picture 2"/>
+          <p:cNvPr id="4" name="Imagen 3">
+            <a:extLst>
+              <a:ext uri="{FF2B5EF4-FFF2-40B4-BE49-F238E27FC236}">
+                <a16:creationId xmlns:a16="http://schemas.microsoft.com/office/drawing/2014/main" id="{6A64054B-5D0A-4C15-B88D-14CE2DAC2273}"/>
+              </a:ext>
+            </a:extLst>
+          </p:cNvPr>
           <p:cNvPicPr>
-            <a:picLocks noChangeAspect="1" noChangeArrowheads="1"/>
+            <a:picLocks noChangeAspect="1"/>
           </p:cNvPicPr>
           <p:nvPr/>
         </p:nvPicPr>
         <p:blipFill>
-          <a:blip r:embed="rId3">
-            <a:extLst>
-              <a:ext uri="{28A0092B-C50C-407E-A947-70E740481C1C}">
-                <a14:useLocalDpi xmlns:a14="http://schemas.microsoft.com/office/drawing/2010/main" val="0"/>
-              </a:ext>
-            </a:extLst>
-          </a:blip>
+          <a:blip r:embed="rId3"/>
           <a:stretch>
             <a:fillRect/>
           </a:stretch>
         </p:blipFill>
-        <p:spPr bwMode="auto">
+        <p:spPr>
           <a:xfrm>
-            <a:off x="604958" y="1828800"/>
-            <a:ext cx="8050854" cy="3154679"/>
+            <a:off x="2411248" y="1386953"/>
+            <a:ext cx="3958739" cy="5076655"/>
           </a:xfrm>
           <a:prstGeom prst="rect">
             <a:avLst/>
           </a:prstGeom>
-          <a:noFill/>
-          <a:ln>
-            <a:noFill/>
-          </a:ln>
-          <a:extLst>
-            <a:ext uri="{909E8E84-426E-40DD-AFC4-6F175D3DCCD1}">
-              <a14:hiddenFill xmlns:a14="http://schemas.microsoft.com/office/drawing/2010/main">
-                <a:solidFill>
-                  <a:schemeClr val="accent1"/>
-                </a:solidFill>
-              </a14:hiddenFill>
-            </a:ext>
-            <a:ext uri="{91240B29-F687-4F45-9708-019B960494DF}">
-              <a14:hiddenLine xmlns:a14="http://schemas.microsoft.com/office/drawing/2010/main" w="9525">
-                <a:solidFill>
-                  <a:schemeClr val="tx1"/>
-                </a:solidFill>
-                <a:miter lim="800000"/>
-                <a:headEnd/>
-                <a:tailEnd/>
-              </a14:hiddenLine>
-            </a:ext>
-          </a:extLst>
         </p:spPr>
       </p:pic>
     </p:spTree>
     <p:extLst>
       <p:ext uri="{BB962C8B-B14F-4D97-AF65-F5344CB8AC3E}">
-        <p14:creationId xmlns:p14="http://schemas.microsoft.com/office/powerpoint/2010/main" val="3636502473"/>
+        <p14:creationId xmlns:p14="http://schemas.microsoft.com/office/powerpoint/2010/main" val="4046947737"/>
       </p:ext>
     </p:extLst>
   </p:cSld>
@@ -13545,7 +14676,7 @@
         </p:nvSpPr>
         <p:spPr/>
         <p:txBody>
-          <a:bodyPr/>
+          <a:bodyPr anchor="t"/>
           <a:lstStyle/>
           <a:p>
             <a:pPr eaLnBrk="1" hangingPunct="1"/>
@@ -13562,7 +14693,7 @@
             </a:br>
             <a:r>
               <a:rPr lang="es-ES" dirty="0"/>
-              <a:t>Seguridad de puertos: Configuración</a:t>
+              <a:t>Seguridad de puertos: Modos de violación de seguridad</a:t>
             </a:r>
             <a:endParaRPr lang="es-ES" dirty="0">
               <a:solidFill>
@@ -13573,222 +14704,228 @@
           </a:p>
         </p:txBody>
       </p:sp>
-      <p:pic>
-        <p:nvPicPr>
-          <p:cNvPr id="18434" name="Picture 2"/>
-          <p:cNvPicPr>
-            <a:picLocks noChangeAspect="1" noChangeArrowheads="1"/>
-          </p:cNvPicPr>
+      <p:sp>
+        <p:nvSpPr>
+          <p:cNvPr id="2" name="Rectangle 1"/>
+          <p:cNvSpPr/>
           <p:nvPr/>
-        </p:nvPicPr>
-        <p:blipFill>
-          <a:blip r:embed="rId3" cstate="email">
-            <a:extLst>
-              <a:ext uri="{28A0092B-C50C-407E-A947-70E740481C1C}">
-                <a14:useLocalDpi xmlns:a14="http://schemas.microsoft.com/office/drawing/2010/main" val="0"/>
-              </a:ext>
-            </a:extLst>
-          </a:blip>
-          <a:stretch>
-            <a:fillRect/>
-          </a:stretch>
-        </p:blipFill>
-        <p:spPr bwMode="auto">
+        </p:nvSpPr>
+        <p:spPr>
           <a:xfrm>
-            <a:off x="194822" y="1373989"/>
-            <a:ext cx="4193781" cy="1771237"/>
+            <a:off x="357371" y="1895233"/>
+            <a:ext cx="8305800" cy="3891835"/>
           </a:xfrm>
           <a:prstGeom prst="rect">
             <a:avLst/>
           </a:prstGeom>
-          <a:noFill/>
-          <a:ln>
-            <a:noFill/>
-          </a:ln>
-          <a:extLst>
-            <a:ext uri="{909E8E84-426E-40DD-AFC4-6F175D3DCCD1}">
-              <a14:hiddenFill xmlns:a14="http://schemas.microsoft.com/office/drawing/2010/main">
-                <a:solidFill>
-                  <a:schemeClr val="accent1"/>
-                </a:solidFill>
-              </a14:hiddenFill>
-            </a:ext>
-            <a:ext uri="{91240B29-F687-4F45-9708-019B960494DF}">
-              <a14:hiddenLine xmlns:a14="http://schemas.microsoft.com/office/drawing/2010/main" w="9525">
-                <a:solidFill>
-                  <a:schemeClr val="tx1"/>
-                </a:solidFill>
-                <a:miter lim="800000"/>
-                <a:headEnd/>
-                <a:tailEnd/>
-              </a14:hiddenLine>
-            </a:ext>
-          </a:extLst>
         </p:spPr>
-      </p:pic>
-      <p:pic>
-        <p:nvPicPr>
-          <p:cNvPr id="18435" name="Picture 3"/>
-          <p:cNvPicPr>
-            <a:picLocks noChangeAspect="1" noChangeArrowheads="1"/>
-          </p:cNvPicPr>
-          <p:nvPr/>
-        </p:nvPicPr>
-        <p:blipFill>
-          <a:blip r:embed="rId4" cstate="email">
-            <a:extLst>
-              <a:ext uri="{28A0092B-C50C-407E-A947-70E740481C1C}">
-                <a14:useLocalDpi xmlns:a14="http://schemas.microsoft.com/office/drawing/2010/main" val="0"/>
-              </a:ext>
-            </a:extLst>
-          </a:blip>
-          <a:stretch>
-            <a:fillRect/>
-          </a:stretch>
-        </p:blipFill>
-        <p:spPr bwMode="auto">
-          <a:xfrm>
-            <a:off x="617712" y="1268165"/>
-            <a:ext cx="3348000" cy="241435"/>
-          </a:xfrm>
-          <a:prstGeom prst="rect">
-            <a:avLst/>
-          </a:prstGeom>
-          <a:noFill/>
-          <a:ln>
-            <a:noFill/>
-          </a:ln>
-          <a:extLst>
-            <a:ext uri="{909E8E84-426E-40DD-AFC4-6F175D3DCCD1}">
-              <a14:hiddenFill xmlns:a14="http://schemas.microsoft.com/office/drawing/2010/main">
-                <a:solidFill>
-                  <a:schemeClr val="accent1"/>
-                </a:solidFill>
-              </a14:hiddenFill>
-            </a:ext>
-            <a:ext uri="{91240B29-F687-4F45-9708-019B960494DF}">
-              <a14:hiddenLine xmlns:a14="http://schemas.microsoft.com/office/drawing/2010/main" w="9525">
-                <a:solidFill>
-                  <a:schemeClr val="tx1"/>
-                </a:solidFill>
-                <a:miter lim="800000"/>
-                <a:headEnd/>
-                <a:tailEnd/>
-              </a14:hiddenLine>
-            </a:ext>
-          </a:extLst>
-        </p:spPr>
-      </p:pic>
-      <p:pic>
-        <p:nvPicPr>
-          <p:cNvPr id="18437" name="Picture 5"/>
-          <p:cNvPicPr>
-            <a:picLocks noChangeAspect="1" noChangeArrowheads="1"/>
-          </p:cNvPicPr>
-          <p:nvPr/>
-        </p:nvPicPr>
-        <p:blipFill>
-          <a:blip r:embed="rId5" cstate="email">
-            <a:extLst>
-              <a:ext uri="{28A0092B-C50C-407E-A947-70E740481C1C}">
-                <a14:useLocalDpi xmlns:a14="http://schemas.microsoft.com/office/drawing/2010/main" val="0"/>
-              </a:ext>
-            </a:extLst>
-          </a:blip>
-          <a:stretch>
-            <a:fillRect/>
-          </a:stretch>
-        </p:blipFill>
-        <p:spPr bwMode="auto">
-          <a:xfrm>
-            <a:off x="4525607" y="1828799"/>
-            <a:ext cx="4329621" cy="3733802"/>
-          </a:xfrm>
-          <a:prstGeom prst="rect">
-            <a:avLst/>
-          </a:prstGeom>
-          <a:noFill/>
-          <a:ln>
-            <a:noFill/>
-          </a:ln>
-          <a:extLst>
-            <a:ext uri="{909E8E84-426E-40DD-AFC4-6F175D3DCCD1}">
-              <a14:hiddenFill xmlns:a14="http://schemas.microsoft.com/office/drawing/2010/main">
-                <a:solidFill>
-                  <a:schemeClr val="accent1"/>
-                </a:solidFill>
-              </a14:hiddenFill>
-            </a:ext>
-            <a:ext uri="{91240B29-F687-4F45-9708-019B960494DF}">
-              <a14:hiddenLine xmlns:a14="http://schemas.microsoft.com/office/drawing/2010/main" w="9525">
-                <a:solidFill>
-                  <a:schemeClr val="tx1"/>
-                </a:solidFill>
-                <a:miter lim="800000"/>
-                <a:headEnd/>
-                <a:tailEnd/>
-              </a14:hiddenLine>
-            </a:ext>
-          </a:extLst>
-        </p:spPr>
-      </p:pic>
-      <p:pic>
-        <p:nvPicPr>
-          <p:cNvPr id="18436" name="Picture 4"/>
-          <p:cNvPicPr>
-            <a:picLocks noChangeAspect="1" noChangeArrowheads="1"/>
-          </p:cNvPicPr>
-          <p:nvPr/>
-        </p:nvPicPr>
-        <p:blipFill>
-          <a:blip r:embed="rId6" cstate="email">
-            <a:extLst>
-              <a:ext uri="{28A0092B-C50C-407E-A947-70E740481C1C}">
-                <a14:useLocalDpi xmlns:a14="http://schemas.microsoft.com/office/drawing/2010/main" val="0"/>
-              </a:ext>
-            </a:extLst>
-          </a:blip>
-          <a:stretch>
-            <a:fillRect/>
-          </a:stretch>
-        </p:blipFill>
-        <p:spPr bwMode="auto">
-          <a:xfrm>
-            <a:off x="197623" y="3251422"/>
-            <a:ext cx="4456784" cy="3304167"/>
-          </a:xfrm>
-          <a:prstGeom prst="rect">
-            <a:avLst/>
-          </a:prstGeom>
-          <a:noFill/>
-          <a:ln>
-            <a:noFill/>
-          </a:ln>
-          <a:extLst>
-            <a:ext uri="{909E8E84-426E-40DD-AFC4-6F175D3DCCD1}">
-              <a14:hiddenFill xmlns:a14="http://schemas.microsoft.com/office/drawing/2010/main">
-                <a:solidFill>
-                  <a:schemeClr val="accent1"/>
-                </a:solidFill>
-              </a14:hiddenFill>
-            </a:ext>
-            <a:ext uri="{91240B29-F687-4F45-9708-019B960494DF}">
-              <a14:hiddenLine xmlns:a14="http://schemas.microsoft.com/office/drawing/2010/main" w="9525">
-                <a:solidFill>
-                  <a:schemeClr val="tx1"/>
-                </a:solidFill>
-                <a:miter lim="800000"/>
-                <a:headEnd/>
-                <a:tailEnd/>
-              </a14:hiddenLine>
-            </a:ext>
-          </a:extLst>
-        </p:spPr>
-      </p:pic>
+        <p:txBody>
+          <a:bodyPr wrap="square">
+            <a:spAutoFit/>
+          </a:bodyPr>
+          <a:lstStyle/>
+          <a:p>
+            <a:pPr marL="236538" indent="-236538" algn="l" defTabSz="814388">
+              <a:lnSpc>
+                <a:spcPct val="95000"/>
+              </a:lnSpc>
+              <a:spcBef>
+                <a:spcPct val="50000"/>
+              </a:spcBef>
+              <a:buClr>
+                <a:srgbClr val="708CA1"/>
+              </a:buClr>
+              <a:buFont typeface="Wingdings" charset="0"/>
+              <a:buChar char="§"/>
+            </a:pPr>
+            <a:r>
+              <a:rPr lang="es-ES" sz="2000" dirty="0">
+                <a:latin typeface="+mn-lt"/>
+              </a:rPr>
+              <a:t>IOS considera que hay una violación de seguridad cuando:</a:t>
+            </a:r>
+          </a:p>
+          <a:p>
+            <a:pPr marL="693738" lvl="2" indent="-236538" algn="l" defTabSz="814388">
+              <a:lnSpc>
+                <a:spcPct val="95000"/>
+              </a:lnSpc>
+              <a:spcBef>
+                <a:spcPct val="50000"/>
+              </a:spcBef>
+              <a:buClr>
+                <a:srgbClr val="708CA1"/>
+              </a:buClr>
+              <a:buFont typeface="Wingdings" charset="0"/>
+              <a:buChar char="§"/>
+            </a:pPr>
+            <a:r>
+              <a:rPr lang="es-ES" sz="1800" dirty="0">
+                <a:latin typeface="+mn-lt"/>
+              </a:rPr>
+              <a:t>Se agregó la cantidad máxima de direcciones MAC seguras a la tabla CAM para esa interfaz, y una estación cuya dirección MAC no figura en la tabla de direcciones intenta acceder a la interfaz.</a:t>
+            </a:r>
+          </a:p>
+          <a:p>
+            <a:pPr marL="236538" indent="-236538" algn="l" defTabSz="814388">
+              <a:lnSpc>
+                <a:spcPct val="95000"/>
+              </a:lnSpc>
+              <a:spcBef>
+                <a:spcPct val="50000"/>
+              </a:spcBef>
+              <a:buClr>
+                <a:srgbClr val="708CA1"/>
+              </a:buClr>
+              <a:buFont typeface="Wingdings" charset="0"/>
+              <a:buChar char="§"/>
+            </a:pPr>
+            <a:r>
+              <a:rPr lang="es-ES" sz="2000" dirty="0">
+                <a:latin typeface="+mn-lt"/>
+              </a:rPr>
+              <a:t>Cuando se detecta una violación, hay tres acciones posibles que se pueden realizar:</a:t>
+            </a:r>
+          </a:p>
+          <a:p>
+            <a:pPr marL="693738" lvl="2" indent="-236538" algn="l" defTabSz="814388">
+              <a:lnSpc>
+                <a:spcPct val="95000"/>
+              </a:lnSpc>
+              <a:spcBef>
+                <a:spcPct val="50000"/>
+              </a:spcBef>
+              <a:buClr>
+                <a:srgbClr val="708CA1"/>
+              </a:buClr>
+              <a:buFont typeface="Wingdings" charset="0"/>
+              <a:buChar char="§"/>
+            </a:pPr>
+            <a:r>
+              <a:rPr lang="es-ES" sz="1800" dirty="0">
+                <a:latin typeface="+mn-lt"/>
+              </a:rPr>
+              <a:t>Proteger: no se recibe ninguna notificación</a:t>
+            </a:r>
+          </a:p>
+          <a:p>
+            <a:pPr marL="693738" lvl="2" indent="-236538" algn="l" defTabSz="814388">
+              <a:lnSpc>
+                <a:spcPct val="95000"/>
+              </a:lnSpc>
+              <a:spcBef>
+                <a:spcPct val="50000"/>
+              </a:spcBef>
+              <a:buClr>
+                <a:srgbClr val="708CA1"/>
+              </a:buClr>
+              <a:buFont typeface="Wingdings" charset="0"/>
+              <a:buChar char="§"/>
+            </a:pPr>
+            <a:r>
+              <a:rPr lang="es-ES" sz="1800" dirty="0">
+                <a:latin typeface="+mn-lt"/>
+              </a:rPr>
+              <a:t>Restringir: se recibe una notificación sobre una violación de seguridad</a:t>
+            </a:r>
+          </a:p>
+          <a:p>
+            <a:pPr marL="693738" lvl="2" indent="-236538" algn="l" defTabSz="814388">
+              <a:lnSpc>
+                <a:spcPct val="95000"/>
+              </a:lnSpc>
+              <a:spcBef>
+                <a:spcPct val="50000"/>
+              </a:spcBef>
+              <a:buClr>
+                <a:srgbClr val="708CA1"/>
+              </a:buClr>
+              <a:buFont typeface="Wingdings" charset="0"/>
+              <a:buChar char="§"/>
+            </a:pPr>
+            <a:r>
+              <a:rPr lang="es-ES" sz="1800" dirty="0">
+                <a:latin typeface="+mn-lt"/>
+              </a:rPr>
+              <a:t>Apagar</a:t>
+            </a:r>
+          </a:p>
+          <a:p>
+            <a:pPr marL="693738" lvl="2" indent="-236538" algn="l" defTabSz="814388">
+              <a:lnSpc>
+                <a:spcPct val="95000"/>
+              </a:lnSpc>
+              <a:spcBef>
+                <a:spcPct val="50000"/>
+              </a:spcBef>
+              <a:buClr>
+                <a:srgbClr val="708CA1"/>
+              </a:buClr>
+              <a:buFont typeface="Wingdings" charset="0"/>
+              <a:buChar char="§"/>
+            </a:pPr>
+            <a:r>
+              <a:rPr lang="es-ES" sz="1800" dirty="0"/>
+              <a:t>Comando del modo de configuración de interfaces </a:t>
+            </a:r>
+            <a:r>
+              <a:rPr lang="es-ES" sz="1800" b="1" dirty="0">
+                <a:latin typeface="Courier New" panose="02070309020205020404" pitchFamily="49" charset="0"/>
+              </a:rPr>
+              <a:t>switchport port-security violation </a:t>
+            </a:r>
+            <a:r>
+              <a:rPr lang="es-ES" sz="1800" dirty="0">
+                <a:latin typeface="Courier New" panose="02070309020205020404" pitchFamily="49" charset="0"/>
+              </a:rPr>
+              <a:t>{</a:t>
+            </a:r>
+            <a:r>
+              <a:rPr lang="es-ES" sz="1800" b="1" i="1" dirty="0">
+                <a:latin typeface="Courier New" panose="02070309020205020404" pitchFamily="49" charset="0"/>
+              </a:rPr>
+              <a:t>protect </a:t>
+            </a:r>
+            <a:r>
+              <a:rPr lang="es-ES" sz="1800" i="1" dirty="0">
+                <a:latin typeface="Courier New" panose="02070309020205020404" pitchFamily="49" charset="0"/>
+              </a:rPr>
+              <a:t>|</a:t>
+            </a:r>
+            <a:r>
+              <a:rPr lang="es-ES" sz="1800" b="1" i="1" dirty="0">
+                <a:latin typeface="Courier New" panose="02070309020205020404" pitchFamily="49" charset="0"/>
+              </a:rPr>
+              <a:t> restrict </a:t>
+            </a:r>
+            <a:r>
+              <a:rPr lang="es-ES" sz="1800" i="1" dirty="0">
+                <a:latin typeface="Courier New" panose="02070309020205020404" pitchFamily="49" charset="0"/>
+              </a:rPr>
+              <a:t>|</a:t>
+            </a:r>
+            <a:r>
+              <a:rPr lang="es-ES" sz="1800" b="1" i="1" dirty="0">
+                <a:latin typeface="Courier New" panose="02070309020205020404" pitchFamily="49" charset="0"/>
+              </a:rPr>
+              <a:t>shutdown</a:t>
+            </a:r>
+            <a:r>
+              <a:rPr lang="es-ES" sz="1800" dirty="0">
+                <a:latin typeface="Courier New" panose="02070309020205020404" pitchFamily="49" charset="0"/>
+              </a:rPr>
+              <a:t>}</a:t>
+            </a:r>
+            <a:endParaRPr lang="es-ES" sz="1800" dirty="0">
+              <a:latin typeface="+mn-lt"/>
+            </a:endParaRPr>
+          </a:p>
+        </p:txBody>
+      </p:sp>
     </p:spTree>
     <p:extLst>
       <p:ext uri="{BB962C8B-B14F-4D97-AF65-F5344CB8AC3E}">
-        <p14:creationId xmlns:p14="http://schemas.microsoft.com/office/powerpoint/2010/main" val="3287780523"/>
+        <p14:creationId xmlns:p14="http://schemas.microsoft.com/office/powerpoint/2010/main" val="4078762780"/>
       </p:ext>
     </p:extLst>
   </p:cSld>
@@ -13830,7 +14967,7 @@
         </p:nvSpPr>
         <p:spPr/>
         <p:txBody>
-          <a:bodyPr/>
+          <a:bodyPr anchor="t"/>
           <a:lstStyle/>
           <a:p>
             <a:pPr eaLnBrk="1" hangingPunct="1"/>
@@ -13847,7 +14984,7 @@
             </a:br>
             <a:r>
               <a:rPr lang="es-ES" dirty="0"/>
-              <a:t>Seguridad de puertos: Verificación</a:t>
+              <a:t>Seguridad de puertos: Modos de violación de seguridad (continuación)</a:t>
             </a:r>
             <a:endParaRPr lang="es-ES" dirty="0">
               <a:solidFill>
@@ -13860,7 +14997,7 @@
       </p:sp>
       <p:pic>
         <p:nvPicPr>
-          <p:cNvPr id="19458" name="Picture 2"/>
+          <p:cNvPr id="17410" name="Picture 2"/>
           <p:cNvPicPr>
             <a:picLocks noChangeAspect="1" noChangeArrowheads="1"/>
           </p:cNvPicPr>
@@ -13874,15 +15011,14 @@
               </a:ext>
             </a:extLst>
           </a:blip>
-          <a:srcRect/>
           <a:stretch>
             <a:fillRect/>
           </a:stretch>
         </p:blipFill>
         <p:spPr bwMode="auto">
           <a:xfrm>
-            <a:off x="193354" y="1647825"/>
-            <a:ext cx="5172075" cy="2600325"/>
+            <a:off x="604958" y="1828800"/>
+            <a:ext cx="8050854" cy="3154679"/>
           </a:xfrm>
           <a:prstGeom prst="rect">
             <a:avLst/>
@@ -13912,170 +15048,10 @@
           </a:extLst>
         </p:spPr>
       </p:pic>
-      <p:pic>
-        <p:nvPicPr>
-          <p:cNvPr id="19461" name="Picture 5"/>
-          <p:cNvPicPr>
-            <a:picLocks noChangeAspect="1" noChangeArrowheads="1"/>
-          </p:cNvPicPr>
-          <p:nvPr/>
-        </p:nvPicPr>
-        <p:blipFill>
-          <a:blip r:embed="rId4" cstate="email">
-            <a:extLst>
-              <a:ext uri="{28A0092B-C50C-407E-A947-70E740481C1C}">
-                <a14:useLocalDpi xmlns:a14="http://schemas.microsoft.com/office/drawing/2010/main" val="0"/>
-              </a:ext>
-            </a:extLst>
-          </a:blip>
-          <a:stretch>
-            <a:fillRect/>
-          </a:stretch>
-        </p:blipFill>
-        <p:spPr bwMode="auto">
-          <a:xfrm>
-            <a:off x="598009" y="1486258"/>
-            <a:ext cx="4362765" cy="241200"/>
-          </a:xfrm>
-          <a:prstGeom prst="rect">
-            <a:avLst/>
-          </a:prstGeom>
-          <a:noFill/>
-          <a:ln>
-            <a:noFill/>
-          </a:ln>
-          <a:extLst>
-            <a:ext uri="{909E8E84-426E-40DD-AFC4-6F175D3DCCD1}">
-              <a14:hiddenFill xmlns:a14="http://schemas.microsoft.com/office/drawing/2010/main">
-                <a:solidFill>
-                  <a:schemeClr val="accent1"/>
-                </a:solidFill>
-              </a14:hiddenFill>
-            </a:ext>
-            <a:ext uri="{91240B29-F687-4F45-9708-019B960494DF}">
-              <a14:hiddenLine xmlns:a14="http://schemas.microsoft.com/office/drawing/2010/main" w="9525">
-                <a:solidFill>
-                  <a:schemeClr val="tx1"/>
-                </a:solidFill>
-                <a:miter lim="800000"/>
-                <a:headEnd/>
-                <a:tailEnd/>
-              </a14:hiddenLine>
-            </a:ext>
-          </a:extLst>
-        </p:spPr>
-      </p:pic>
-      <p:pic>
-        <p:nvPicPr>
-          <p:cNvPr id="19462" name="Picture 6"/>
-          <p:cNvPicPr>
-            <a:picLocks noChangeAspect="1" noChangeArrowheads="1"/>
-          </p:cNvPicPr>
-          <p:nvPr/>
-        </p:nvPicPr>
-        <p:blipFill>
-          <a:blip r:embed="rId5">
-            <a:extLst>
-              <a:ext uri="{28A0092B-C50C-407E-A947-70E740481C1C}">
-                <a14:useLocalDpi xmlns:a14="http://schemas.microsoft.com/office/drawing/2010/main" val="0"/>
-              </a:ext>
-            </a:extLst>
-          </a:blip>
-          <a:srcRect/>
-          <a:stretch>
-            <a:fillRect/>
-          </a:stretch>
-        </p:blipFill>
-        <p:spPr bwMode="auto">
-          <a:xfrm>
-            <a:off x="3683313" y="4060508"/>
-            <a:ext cx="5219700" cy="2638425"/>
-          </a:xfrm>
-          <a:prstGeom prst="rect">
-            <a:avLst/>
-          </a:prstGeom>
-          <a:noFill/>
-          <a:ln>
-            <a:noFill/>
-          </a:ln>
-          <a:extLst>
-            <a:ext uri="{909E8E84-426E-40DD-AFC4-6F175D3DCCD1}">
-              <a14:hiddenFill xmlns:a14="http://schemas.microsoft.com/office/drawing/2010/main">
-                <a:solidFill>
-                  <a:schemeClr val="accent1"/>
-                </a:solidFill>
-              </a14:hiddenFill>
-            </a:ext>
-            <a:ext uri="{91240B29-F687-4F45-9708-019B960494DF}">
-              <a14:hiddenLine xmlns:a14="http://schemas.microsoft.com/office/drawing/2010/main" w="9525">
-                <a:solidFill>
-                  <a:schemeClr val="tx1"/>
-                </a:solidFill>
-                <a:miter lim="800000"/>
-                <a:headEnd/>
-                <a:tailEnd/>
-              </a14:hiddenLine>
-            </a:ext>
-          </a:extLst>
-        </p:spPr>
-      </p:pic>
-      <p:pic>
-        <p:nvPicPr>
-          <p:cNvPr id="19463" name="Picture 7"/>
-          <p:cNvPicPr>
-            <a:picLocks noChangeAspect="1" noChangeArrowheads="1"/>
-          </p:cNvPicPr>
-          <p:nvPr/>
-        </p:nvPicPr>
-        <p:blipFill>
-          <a:blip r:embed="rId6" cstate="email">
-            <a:extLst>
-              <a:ext uri="{28A0092B-C50C-407E-A947-70E740481C1C}">
-                <a14:useLocalDpi xmlns:a14="http://schemas.microsoft.com/office/drawing/2010/main" val="0"/>
-              </a:ext>
-            </a:extLst>
-          </a:blip>
-          <a:stretch>
-            <a:fillRect/>
-          </a:stretch>
-        </p:blipFill>
-        <p:spPr bwMode="auto">
-          <a:xfrm>
-            <a:off x="4600868" y="4042246"/>
-            <a:ext cx="3384591" cy="241200"/>
-          </a:xfrm>
-          <a:prstGeom prst="rect">
-            <a:avLst/>
-          </a:prstGeom>
-          <a:noFill/>
-          <a:ln>
-            <a:noFill/>
-          </a:ln>
-          <a:extLst>
-            <a:ext uri="{909E8E84-426E-40DD-AFC4-6F175D3DCCD1}">
-              <a14:hiddenFill xmlns:a14="http://schemas.microsoft.com/office/drawing/2010/main">
-                <a:solidFill>
-                  <a:schemeClr val="accent1"/>
-                </a:solidFill>
-              </a14:hiddenFill>
-            </a:ext>
-            <a:ext uri="{91240B29-F687-4F45-9708-019B960494DF}">
-              <a14:hiddenLine xmlns:a14="http://schemas.microsoft.com/office/drawing/2010/main" w="9525">
-                <a:solidFill>
-                  <a:schemeClr val="tx1"/>
-                </a:solidFill>
-                <a:miter lim="800000"/>
-                <a:headEnd/>
-                <a:tailEnd/>
-              </a14:hiddenLine>
-            </a:ext>
-          </a:extLst>
-        </p:spPr>
-      </p:pic>
     </p:spTree>
     <p:extLst>
       <p:ext uri="{BB962C8B-B14F-4D97-AF65-F5344CB8AC3E}">
-        <p14:creationId xmlns:p14="http://schemas.microsoft.com/office/powerpoint/2010/main" val="361722070"/>
+        <p14:creationId xmlns:p14="http://schemas.microsoft.com/office/powerpoint/2010/main" val="3636502473"/>
       </p:ext>
     </p:extLst>
   </p:cSld>
@@ -14117,7 +15093,7 @@
         </p:nvSpPr>
         <p:spPr/>
         <p:txBody>
-          <a:bodyPr anchor="t"/>
+          <a:bodyPr/>
           <a:lstStyle/>
           <a:p>
             <a:pPr eaLnBrk="1" hangingPunct="1"/>
@@ -14134,7 +15110,7 @@
             </a:br>
             <a:r>
               <a:rPr lang="es-ES" dirty="0"/>
-              <a:t>Seguridad de puertos: Verificación (continuación)</a:t>
+              <a:t>Seguridad de puertos: Configuración</a:t>
             </a:r>
             <a:endParaRPr lang="es-ES" dirty="0">
               <a:solidFill>
@@ -14147,29 +15123,28 @@
       </p:sp>
       <p:pic>
         <p:nvPicPr>
-          <p:cNvPr id="20482" name="Picture 2"/>
+          <p:cNvPr id="18434" name="Picture 2"/>
           <p:cNvPicPr>
             <a:picLocks noChangeAspect="1" noChangeArrowheads="1"/>
           </p:cNvPicPr>
           <p:nvPr/>
         </p:nvPicPr>
         <p:blipFill>
-          <a:blip r:embed="rId3">
+          <a:blip r:embed="rId3" cstate="email">
             <a:extLst>
               <a:ext uri="{28A0092B-C50C-407E-A947-70E740481C1C}">
                 <a14:useLocalDpi xmlns:a14="http://schemas.microsoft.com/office/drawing/2010/main" val="0"/>
               </a:ext>
             </a:extLst>
           </a:blip>
-          <a:srcRect/>
           <a:stretch>
             <a:fillRect/>
           </a:stretch>
         </p:blipFill>
         <p:spPr bwMode="auto">
           <a:xfrm>
-            <a:off x="489585" y="1893570"/>
-            <a:ext cx="5238750" cy="1790700"/>
+            <a:off x="194822" y="1373989"/>
+            <a:ext cx="4193781" cy="1771237"/>
           </a:xfrm>
           <a:prstGeom prst="rect">
             <a:avLst/>
@@ -14201,7 +15176,7 @@
       </p:pic>
       <p:pic>
         <p:nvPicPr>
-          <p:cNvPr id="20483" name="Picture 3"/>
+          <p:cNvPr id="18435" name="Picture 3"/>
           <p:cNvPicPr>
             <a:picLocks noChangeAspect="1" noChangeArrowheads="1"/>
           </p:cNvPicPr>
@@ -14221,8 +15196,8 @@
         </p:blipFill>
         <p:spPr bwMode="auto">
           <a:xfrm>
-            <a:off x="1353491" y="1781493"/>
-            <a:ext cx="3510938" cy="208800"/>
+            <a:off x="617712" y="1268165"/>
+            <a:ext cx="3348000" cy="241435"/>
           </a:xfrm>
           <a:prstGeom prst="rect">
             <a:avLst/>
@@ -14254,29 +15229,28 @@
       </p:pic>
       <p:pic>
         <p:nvPicPr>
-          <p:cNvPr id="20484" name="Picture 4"/>
+          <p:cNvPr id="18437" name="Picture 5"/>
           <p:cNvPicPr>
             <a:picLocks noChangeAspect="1" noChangeArrowheads="1"/>
           </p:cNvPicPr>
           <p:nvPr/>
         </p:nvPicPr>
         <p:blipFill>
-          <a:blip r:embed="rId5">
+          <a:blip r:embed="rId5" cstate="email">
             <a:extLst>
               <a:ext uri="{28A0092B-C50C-407E-A947-70E740481C1C}">
                 <a14:useLocalDpi xmlns:a14="http://schemas.microsoft.com/office/drawing/2010/main" val="0"/>
               </a:ext>
             </a:extLst>
           </a:blip>
-          <a:srcRect/>
           <a:stretch>
             <a:fillRect/>
           </a:stretch>
         </p:blipFill>
         <p:spPr bwMode="auto">
           <a:xfrm>
-            <a:off x="2949893" y="4635818"/>
-            <a:ext cx="5133975" cy="1914525"/>
+            <a:off x="4525607" y="1828799"/>
+            <a:ext cx="4329621" cy="3733802"/>
           </a:xfrm>
           <a:prstGeom prst="rect">
             <a:avLst/>
@@ -14308,7 +15282,7 @@
       </p:pic>
       <p:pic>
         <p:nvPicPr>
-          <p:cNvPr id="20485" name="Picture 5"/>
+          <p:cNvPr id="18436" name="Picture 4"/>
           <p:cNvPicPr>
             <a:picLocks noChangeAspect="1" noChangeArrowheads="1"/>
           </p:cNvPicPr>
@@ -14328,8 +15302,8 @@
         </p:blipFill>
         <p:spPr bwMode="auto">
           <a:xfrm>
-            <a:off x="4388173" y="4426394"/>
-            <a:ext cx="2257415" cy="209297"/>
+            <a:off x="197623" y="3251422"/>
+            <a:ext cx="4456784" cy="3304167"/>
           </a:xfrm>
           <a:prstGeom prst="rect">
             <a:avLst/>
@@ -14362,7 +15336,7 @@
     </p:spTree>
     <p:extLst>
       <p:ext uri="{BB962C8B-B14F-4D97-AF65-F5344CB8AC3E}">
-        <p14:creationId xmlns:p14="http://schemas.microsoft.com/office/powerpoint/2010/main" val="3551539354"/>
+        <p14:creationId xmlns:p14="http://schemas.microsoft.com/office/powerpoint/2010/main" val="3287780523"/>
       </p:ext>
     </p:extLst>
   </p:cSld>
@@ -14404,7 +15378,7 @@
         </p:nvSpPr>
         <p:spPr/>
         <p:txBody>
-          <a:bodyPr anchor="t"/>
+          <a:bodyPr/>
           <a:lstStyle/>
           <a:p>
             <a:pPr eaLnBrk="1" hangingPunct="1"/>
@@ -14421,7 +15395,7 @@
             </a:br>
             <a:r>
               <a:rPr lang="es-ES" dirty="0"/>
-              <a:t>VLAN rangos</a:t>
+              <a:t>Seguridad de puertos: Verificación</a:t>
             </a:r>
             <a:endParaRPr lang="es-ES" dirty="0">
               <a:solidFill>
@@ -14434,38 +15408,509 @@
       </p:sp>
       <p:pic>
         <p:nvPicPr>
-          <p:cNvPr id="2" name="Imagen 1">
-            <a:extLst>
-              <a:ext uri="{FF2B5EF4-FFF2-40B4-BE49-F238E27FC236}">
-                <a16:creationId xmlns:a16="http://schemas.microsoft.com/office/drawing/2014/main" id="{9085134E-69E5-46D0-A33A-0864479913F1}"/>
-              </a:ext>
-            </a:extLst>
-          </p:cNvPr>
+          <p:cNvPr id="19458" name="Picture 2"/>
           <p:cNvPicPr>
-            <a:picLocks noChangeAspect="1"/>
+            <a:picLocks noChangeAspect="1" noChangeArrowheads="1"/>
           </p:cNvPicPr>
           <p:nvPr/>
         </p:nvPicPr>
         <p:blipFill>
-          <a:blip r:embed="rId3"/>
+          <a:blip r:embed="rId3">
+            <a:extLst>
+              <a:ext uri="{28A0092B-C50C-407E-A947-70E740481C1C}">
+                <a14:useLocalDpi xmlns:a14="http://schemas.microsoft.com/office/drawing/2010/main" val="0"/>
+              </a:ext>
+            </a:extLst>
+          </a:blip>
+          <a:srcRect/>
           <a:stretch>
             <a:fillRect/>
           </a:stretch>
         </p:blipFill>
-        <p:spPr>
+        <p:spPr bwMode="auto">
           <a:xfrm>
-            <a:off x="836554" y="1472219"/>
-            <a:ext cx="6977409" cy="4215359"/>
+            <a:off x="193354" y="1647825"/>
+            <a:ext cx="5172075" cy="2600325"/>
           </a:xfrm>
           <a:prstGeom prst="rect">
             <a:avLst/>
           </a:prstGeom>
+          <a:noFill/>
+          <a:ln>
+            <a:noFill/>
+          </a:ln>
+          <a:extLst>
+            <a:ext uri="{909E8E84-426E-40DD-AFC4-6F175D3DCCD1}">
+              <a14:hiddenFill xmlns:a14="http://schemas.microsoft.com/office/drawing/2010/main">
+                <a:solidFill>
+                  <a:schemeClr val="accent1"/>
+                </a:solidFill>
+              </a14:hiddenFill>
+            </a:ext>
+            <a:ext uri="{91240B29-F687-4F45-9708-019B960494DF}">
+              <a14:hiddenLine xmlns:a14="http://schemas.microsoft.com/office/drawing/2010/main" w="9525">
+                <a:solidFill>
+                  <a:schemeClr val="tx1"/>
+                </a:solidFill>
+                <a:miter lim="800000"/>
+                <a:headEnd/>
+                <a:tailEnd/>
+              </a14:hiddenLine>
+            </a:ext>
+          </a:extLst>
+        </p:spPr>
+      </p:pic>
+      <p:pic>
+        <p:nvPicPr>
+          <p:cNvPr id="19461" name="Picture 5"/>
+          <p:cNvPicPr>
+            <a:picLocks noChangeAspect="1" noChangeArrowheads="1"/>
+          </p:cNvPicPr>
+          <p:nvPr/>
+        </p:nvPicPr>
+        <p:blipFill>
+          <a:blip r:embed="rId4" cstate="email">
+            <a:extLst>
+              <a:ext uri="{28A0092B-C50C-407E-A947-70E740481C1C}">
+                <a14:useLocalDpi xmlns:a14="http://schemas.microsoft.com/office/drawing/2010/main" val="0"/>
+              </a:ext>
+            </a:extLst>
+          </a:blip>
+          <a:stretch>
+            <a:fillRect/>
+          </a:stretch>
+        </p:blipFill>
+        <p:spPr bwMode="auto">
+          <a:xfrm>
+            <a:off x="598009" y="1486258"/>
+            <a:ext cx="4362765" cy="241200"/>
+          </a:xfrm>
+          <a:prstGeom prst="rect">
+            <a:avLst/>
+          </a:prstGeom>
+          <a:noFill/>
+          <a:ln>
+            <a:noFill/>
+          </a:ln>
+          <a:extLst>
+            <a:ext uri="{909E8E84-426E-40DD-AFC4-6F175D3DCCD1}">
+              <a14:hiddenFill xmlns:a14="http://schemas.microsoft.com/office/drawing/2010/main">
+                <a:solidFill>
+                  <a:schemeClr val="accent1"/>
+                </a:solidFill>
+              </a14:hiddenFill>
+            </a:ext>
+            <a:ext uri="{91240B29-F687-4F45-9708-019B960494DF}">
+              <a14:hiddenLine xmlns:a14="http://schemas.microsoft.com/office/drawing/2010/main" w="9525">
+                <a:solidFill>
+                  <a:schemeClr val="tx1"/>
+                </a:solidFill>
+                <a:miter lim="800000"/>
+                <a:headEnd/>
+                <a:tailEnd/>
+              </a14:hiddenLine>
+            </a:ext>
+          </a:extLst>
+        </p:spPr>
+      </p:pic>
+      <p:pic>
+        <p:nvPicPr>
+          <p:cNvPr id="19462" name="Picture 6"/>
+          <p:cNvPicPr>
+            <a:picLocks noChangeAspect="1" noChangeArrowheads="1"/>
+          </p:cNvPicPr>
+          <p:nvPr/>
+        </p:nvPicPr>
+        <p:blipFill>
+          <a:blip r:embed="rId5">
+            <a:extLst>
+              <a:ext uri="{28A0092B-C50C-407E-A947-70E740481C1C}">
+                <a14:useLocalDpi xmlns:a14="http://schemas.microsoft.com/office/drawing/2010/main" val="0"/>
+              </a:ext>
+            </a:extLst>
+          </a:blip>
+          <a:srcRect/>
+          <a:stretch>
+            <a:fillRect/>
+          </a:stretch>
+        </p:blipFill>
+        <p:spPr bwMode="auto">
+          <a:xfrm>
+            <a:off x="3683313" y="4060508"/>
+            <a:ext cx="5219700" cy="2638425"/>
+          </a:xfrm>
+          <a:prstGeom prst="rect">
+            <a:avLst/>
+          </a:prstGeom>
+          <a:noFill/>
+          <a:ln>
+            <a:noFill/>
+          </a:ln>
+          <a:extLst>
+            <a:ext uri="{909E8E84-426E-40DD-AFC4-6F175D3DCCD1}">
+              <a14:hiddenFill xmlns:a14="http://schemas.microsoft.com/office/drawing/2010/main">
+                <a:solidFill>
+                  <a:schemeClr val="accent1"/>
+                </a:solidFill>
+              </a14:hiddenFill>
+            </a:ext>
+            <a:ext uri="{91240B29-F687-4F45-9708-019B960494DF}">
+              <a14:hiddenLine xmlns:a14="http://schemas.microsoft.com/office/drawing/2010/main" w="9525">
+                <a:solidFill>
+                  <a:schemeClr val="tx1"/>
+                </a:solidFill>
+                <a:miter lim="800000"/>
+                <a:headEnd/>
+                <a:tailEnd/>
+              </a14:hiddenLine>
+            </a:ext>
+          </a:extLst>
+        </p:spPr>
+      </p:pic>
+      <p:pic>
+        <p:nvPicPr>
+          <p:cNvPr id="19463" name="Picture 7"/>
+          <p:cNvPicPr>
+            <a:picLocks noChangeAspect="1" noChangeArrowheads="1"/>
+          </p:cNvPicPr>
+          <p:nvPr/>
+        </p:nvPicPr>
+        <p:blipFill>
+          <a:blip r:embed="rId6" cstate="email">
+            <a:extLst>
+              <a:ext uri="{28A0092B-C50C-407E-A947-70E740481C1C}">
+                <a14:useLocalDpi xmlns:a14="http://schemas.microsoft.com/office/drawing/2010/main" val="0"/>
+              </a:ext>
+            </a:extLst>
+          </a:blip>
+          <a:stretch>
+            <a:fillRect/>
+          </a:stretch>
+        </p:blipFill>
+        <p:spPr bwMode="auto">
+          <a:xfrm>
+            <a:off x="4600868" y="4042246"/>
+            <a:ext cx="3384591" cy="241200"/>
+          </a:xfrm>
+          <a:prstGeom prst="rect">
+            <a:avLst/>
+          </a:prstGeom>
+          <a:noFill/>
+          <a:ln>
+            <a:noFill/>
+          </a:ln>
+          <a:extLst>
+            <a:ext uri="{909E8E84-426E-40DD-AFC4-6F175D3DCCD1}">
+              <a14:hiddenFill xmlns:a14="http://schemas.microsoft.com/office/drawing/2010/main">
+                <a:solidFill>
+                  <a:schemeClr val="accent1"/>
+                </a:solidFill>
+              </a14:hiddenFill>
+            </a:ext>
+            <a:ext uri="{91240B29-F687-4F45-9708-019B960494DF}">
+              <a14:hiddenLine xmlns:a14="http://schemas.microsoft.com/office/drawing/2010/main" w="9525">
+                <a:solidFill>
+                  <a:schemeClr val="tx1"/>
+                </a:solidFill>
+                <a:miter lim="800000"/>
+                <a:headEnd/>
+                <a:tailEnd/>
+              </a14:hiddenLine>
+            </a:ext>
+          </a:extLst>
         </p:spPr>
       </p:pic>
     </p:spTree>
     <p:extLst>
       <p:ext uri="{BB962C8B-B14F-4D97-AF65-F5344CB8AC3E}">
-        <p14:creationId xmlns:p14="http://schemas.microsoft.com/office/powerpoint/2010/main" val="3363341379"/>
+        <p14:creationId xmlns:p14="http://schemas.microsoft.com/office/powerpoint/2010/main" val="361722070"/>
+      </p:ext>
+    </p:extLst>
+  </p:cSld>
+  <p:clrMapOvr>
+    <a:masterClrMapping/>
+  </p:clrMapOvr>
+  <p:transition spd="med">
+    <p:wipe dir="r"/>
+  </p:transition>
+</p:sld>
+</file>
+
+<file path=ppt/slides/slide19.xml><?xml version="1.0" encoding="utf-8"?>
+<p:sld xmlns:a="http://schemas.openxmlformats.org/drawingml/2006/main" xmlns:r="http://schemas.openxmlformats.org/officeDocument/2006/relationships" xmlns:p="http://schemas.openxmlformats.org/presentationml/2006/main">
+  <p:cSld>
+    <p:spTree>
+      <p:nvGrpSpPr>
+        <p:cNvPr id="1" name=""/>
+        <p:cNvGrpSpPr/>
+        <p:nvPr/>
+      </p:nvGrpSpPr>
+      <p:grpSpPr>
+        <a:xfrm>
+          <a:off x="0" y="0"/>
+          <a:ext cx="0" cy="0"/>
+          <a:chOff x="0" y="0"/>
+          <a:chExt cx="0" cy="0"/>
+        </a:xfrm>
+      </p:grpSpPr>
+      <p:sp>
+        <p:nvSpPr>
+          <p:cNvPr id="21505" name="Rectangle 2"/>
+          <p:cNvSpPr>
+            <a:spLocks noGrp="1" noChangeArrowheads="1"/>
+          </p:cNvSpPr>
+          <p:nvPr>
+            <p:ph type="title"/>
+          </p:nvPr>
+        </p:nvSpPr>
+        <p:spPr/>
+        <p:txBody>
+          <a:bodyPr anchor="t"/>
+          <a:lstStyle/>
+          <a:p>
+            <a:pPr eaLnBrk="1" hangingPunct="1"/>
+            <a:r>
+              <a:rPr lang="es-ES" sz="1800" dirty="0"/>
+              <a:t>Seguridad de los puertos de un </a:t>
+            </a:r>
+            <a:r>
+              <a:rPr lang="es-ES" sz="1800" dirty="0" err="1"/>
+              <a:t>switch</a:t>
+            </a:r>
+            <a:br>
+              <a:rPr dirty="0"/>
+            </a:br>
+            <a:r>
+              <a:rPr lang="es-ES" dirty="0"/>
+              <a:t>Seguridad de puertos: Verificación (continuación)</a:t>
+            </a:r>
+            <a:endParaRPr lang="es-ES" dirty="0">
+              <a:solidFill>
+                <a:srgbClr val="00B0F0"/>
+              </a:solidFill>
+              <a:latin typeface="Arial" charset="0"/>
+            </a:endParaRPr>
+          </a:p>
+        </p:txBody>
+      </p:sp>
+      <p:pic>
+        <p:nvPicPr>
+          <p:cNvPr id="20482" name="Picture 2"/>
+          <p:cNvPicPr>
+            <a:picLocks noChangeAspect="1" noChangeArrowheads="1"/>
+          </p:cNvPicPr>
+          <p:nvPr/>
+        </p:nvPicPr>
+        <p:blipFill>
+          <a:blip r:embed="rId3">
+            <a:extLst>
+              <a:ext uri="{28A0092B-C50C-407E-A947-70E740481C1C}">
+                <a14:useLocalDpi xmlns:a14="http://schemas.microsoft.com/office/drawing/2010/main" val="0"/>
+              </a:ext>
+            </a:extLst>
+          </a:blip>
+          <a:srcRect/>
+          <a:stretch>
+            <a:fillRect/>
+          </a:stretch>
+        </p:blipFill>
+        <p:spPr bwMode="auto">
+          <a:xfrm>
+            <a:off x="489585" y="1893570"/>
+            <a:ext cx="5238750" cy="1790700"/>
+          </a:xfrm>
+          <a:prstGeom prst="rect">
+            <a:avLst/>
+          </a:prstGeom>
+          <a:noFill/>
+          <a:ln>
+            <a:noFill/>
+          </a:ln>
+          <a:extLst>
+            <a:ext uri="{909E8E84-426E-40DD-AFC4-6F175D3DCCD1}">
+              <a14:hiddenFill xmlns:a14="http://schemas.microsoft.com/office/drawing/2010/main">
+                <a:solidFill>
+                  <a:schemeClr val="accent1"/>
+                </a:solidFill>
+              </a14:hiddenFill>
+            </a:ext>
+            <a:ext uri="{91240B29-F687-4F45-9708-019B960494DF}">
+              <a14:hiddenLine xmlns:a14="http://schemas.microsoft.com/office/drawing/2010/main" w="9525">
+                <a:solidFill>
+                  <a:schemeClr val="tx1"/>
+                </a:solidFill>
+                <a:miter lim="800000"/>
+                <a:headEnd/>
+                <a:tailEnd/>
+              </a14:hiddenLine>
+            </a:ext>
+          </a:extLst>
+        </p:spPr>
+      </p:pic>
+      <p:pic>
+        <p:nvPicPr>
+          <p:cNvPr id="20483" name="Picture 3"/>
+          <p:cNvPicPr>
+            <a:picLocks noChangeAspect="1" noChangeArrowheads="1"/>
+          </p:cNvPicPr>
+          <p:nvPr/>
+        </p:nvPicPr>
+        <p:blipFill>
+          <a:blip r:embed="rId4" cstate="email">
+            <a:extLst>
+              <a:ext uri="{28A0092B-C50C-407E-A947-70E740481C1C}">
+                <a14:useLocalDpi xmlns:a14="http://schemas.microsoft.com/office/drawing/2010/main" val="0"/>
+              </a:ext>
+            </a:extLst>
+          </a:blip>
+          <a:stretch>
+            <a:fillRect/>
+          </a:stretch>
+        </p:blipFill>
+        <p:spPr bwMode="auto">
+          <a:xfrm>
+            <a:off x="1353491" y="1781493"/>
+            <a:ext cx="3510938" cy="208800"/>
+          </a:xfrm>
+          <a:prstGeom prst="rect">
+            <a:avLst/>
+          </a:prstGeom>
+          <a:noFill/>
+          <a:ln>
+            <a:noFill/>
+          </a:ln>
+          <a:extLst>
+            <a:ext uri="{909E8E84-426E-40DD-AFC4-6F175D3DCCD1}">
+              <a14:hiddenFill xmlns:a14="http://schemas.microsoft.com/office/drawing/2010/main">
+                <a:solidFill>
+                  <a:schemeClr val="accent1"/>
+                </a:solidFill>
+              </a14:hiddenFill>
+            </a:ext>
+            <a:ext uri="{91240B29-F687-4F45-9708-019B960494DF}">
+              <a14:hiddenLine xmlns:a14="http://schemas.microsoft.com/office/drawing/2010/main" w="9525">
+                <a:solidFill>
+                  <a:schemeClr val="tx1"/>
+                </a:solidFill>
+                <a:miter lim="800000"/>
+                <a:headEnd/>
+                <a:tailEnd/>
+              </a14:hiddenLine>
+            </a:ext>
+          </a:extLst>
+        </p:spPr>
+      </p:pic>
+      <p:pic>
+        <p:nvPicPr>
+          <p:cNvPr id="20484" name="Picture 4"/>
+          <p:cNvPicPr>
+            <a:picLocks noChangeAspect="1" noChangeArrowheads="1"/>
+          </p:cNvPicPr>
+          <p:nvPr/>
+        </p:nvPicPr>
+        <p:blipFill>
+          <a:blip r:embed="rId5">
+            <a:extLst>
+              <a:ext uri="{28A0092B-C50C-407E-A947-70E740481C1C}">
+                <a14:useLocalDpi xmlns:a14="http://schemas.microsoft.com/office/drawing/2010/main" val="0"/>
+              </a:ext>
+            </a:extLst>
+          </a:blip>
+          <a:srcRect/>
+          <a:stretch>
+            <a:fillRect/>
+          </a:stretch>
+        </p:blipFill>
+        <p:spPr bwMode="auto">
+          <a:xfrm>
+            <a:off x="2949893" y="4635818"/>
+            <a:ext cx="5133975" cy="1914525"/>
+          </a:xfrm>
+          <a:prstGeom prst="rect">
+            <a:avLst/>
+          </a:prstGeom>
+          <a:noFill/>
+          <a:ln>
+            <a:noFill/>
+          </a:ln>
+          <a:extLst>
+            <a:ext uri="{909E8E84-426E-40DD-AFC4-6F175D3DCCD1}">
+              <a14:hiddenFill xmlns:a14="http://schemas.microsoft.com/office/drawing/2010/main">
+                <a:solidFill>
+                  <a:schemeClr val="accent1"/>
+                </a:solidFill>
+              </a14:hiddenFill>
+            </a:ext>
+            <a:ext uri="{91240B29-F687-4F45-9708-019B960494DF}">
+              <a14:hiddenLine xmlns:a14="http://schemas.microsoft.com/office/drawing/2010/main" w="9525">
+                <a:solidFill>
+                  <a:schemeClr val="tx1"/>
+                </a:solidFill>
+                <a:miter lim="800000"/>
+                <a:headEnd/>
+                <a:tailEnd/>
+              </a14:hiddenLine>
+            </a:ext>
+          </a:extLst>
+        </p:spPr>
+      </p:pic>
+      <p:pic>
+        <p:nvPicPr>
+          <p:cNvPr id="20485" name="Picture 5"/>
+          <p:cNvPicPr>
+            <a:picLocks noChangeAspect="1" noChangeArrowheads="1"/>
+          </p:cNvPicPr>
+          <p:nvPr/>
+        </p:nvPicPr>
+        <p:blipFill>
+          <a:blip r:embed="rId6" cstate="email">
+            <a:extLst>
+              <a:ext uri="{28A0092B-C50C-407E-A947-70E740481C1C}">
+                <a14:useLocalDpi xmlns:a14="http://schemas.microsoft.com/office/drawing/2010/main" val="0"/>
+              </a:ext>
+            </a:extLst>
+          </a:blip>
+          <a:stretch>
+            <a:fillRect/>
+          </a:stretch>
+        </p:blipFill>
+        <p:spPr bwMode="auto">
+          <a:xfrm>
+            <a:off x="4388173" y="4426394"/>
+            <a:ext cx="2257415" cy="209297"/>
+          </a:xfrm>
+          <a:prstGeom prst="rect">
+            <a:avLst/>
+          </a:prstGeom>
+          <a:noFill/>
+          <a:ln>
+            <a:noFill/>
+          </a:ln>
+          <a:extLst>
+            <a:ext uri="{909E8E84-426E-40DD-AFC4-6F175D3DCCD1}">
+              <a14:hiddenFill xmlns:a14="http://schemas.microsoft.com/office/drawing/2010/main">
+                <a:solidFill>
+                  <a:schemeClr val="accent1"/>
+                </a:solidFill>
+              </a14:hiddenFill>
+            </a:ext>
+            <a:ext uri="{91240B29-F687-4F45-9708-019B960494DF}">
+              <a14:hiddenLine xmlns:a14="http://schemas.microsoft.com/office/drawing/2010/main" w="9525">
+                <a:solidFill>
+                  <a:schemeClr val="tx1"/>
+                </a:solidFill>
+                <a:miter lim="800000"/>
+                <a:headEnd/>
+                <a:tailEnd/>
+              </a14:hiddenLine>
+            </a:ext>
+          </a:extLst>
+        </p:spPr>
+      </p:pic>
+    </p:spTree>
+    <p:extLst>
+      <p:ext uri="{BB962C8B-B14F-4D97-AF65-F5344CB8AC3E}">
+        <p14:creationId xmlns:p14="http://schemas.microsoft.com/office/powerpoint/2010/main" val="3551539354"/>
       </p:ext>
     </p:extLst>
   </p:cSld>
@@ -14539,6 +15984,109 @@
     <a:masterClrMapping/>
   </p:clrMapOvr>
   <p:transition>
+    <p:wipe dir="r"/>
+  </p:transition>
+</p:sld>
+</file>
+
+<file path=ppt/slides/slide20.xml><?xml version="1.0" encoding="utf-8"?>
+<p:sld xmlns:a="http://schemas.openxmlformats.org/drawingml/2006/main" xmlns:r="http://schemas.openxmlformats.org/officeDocument/2006/relationships" xmlns:p="http://schemas.openxmlformats.org/presentationml/2006/main">
+  <p:cSld>
+    <p:spTree>
+      <p:nvGrpSpPr>
+        <p:cNvPr id="1" name=""/>
+        <p:cNvGrpSpPr/>
+        <p:nvPr/>
+      </p:nvGrpSpPr>
+      <p:grpSpPr>
+        <a:xfrm>
+          <a:off x="0" y="0"/>
+          <a:ext cx="0" cy="0"/>
+          <a:chOff x="0" y="0"/>
+          <a:chExt cx="0" cy="0"/>
+        </a:xfrm>
+      </p:grpSpPr>
+      <p:sp>
+        <p:nvSpPr>
+          <p:cNvPr id="21505" name="Rectangle 2"/>
+          <p:cNvSpPr>
+            <a:spLocks noGrp="1" noChangeArrowheads="1"/>
+          </p:cNvSpPr>
+          <p:nvPr>
+            <p:ph type="title"/>
+          </p:nvPr>
+        </p:nvSpPr>
+        <p:spPr/>
+        <p:txBody>
+          <a:bodyPr anchor="t"/>
+          <a:lstStyle/>
+          <a:p>
+            <a:pPr eaLnBrk="1" hangingPunct="1"/>
+            <a:r>
+              <a:rPr lang="es-ES" sz="1800" dirty="0"/>
+              <a:t>Seguridad de los puertos de un </a:t>
+            </a:r>
+            <a:r>
+              <a:rPr lang="es-ES" sz="1800" dirty="0" err="1"/>
+              <a:t>switch</a:t>
+            </a:r>
+            <a:br>
+              <a:rPr dirty="0"/>
+            </a:br>
+            <a:r>
+              <a:rPr lang="es-ES" dirty="0"/>
+              <a:t>VLAN rangos</a:t>
+            </a:r>
+            <a:endParaRPr lang="es-ES" dirty="0">
+              <a:solidFill>
+                <a:srgbClr val="00B0F0"/>
+              </a:solidFill>
+              <a:latin typeface="Arial" charset="0"/>
+            </a:endParaRPr>
+          </a:p>
+        </p:txBody>
+      </p:sp>
+      <p:pic>
+        <p:nvPicPr>
+          <p:cNvPr id="2" name="Imagen 1">
+            <a:extLst>
+              <a:ext uri="{FF2B5EF4-FFF2-40B4-BE49-F238E27FC236}">
+                <a16:creationId xmlns:a16="http://schemas.microsoft.com/office/drawing/2014/main" id="{9085134E-69E5-46D0-A33A-0864479913F1}"/>
+              </a:ext>
+            </a:extLst>
+          </p:cNvPr>
+          <p:cNvPicPr>
+            <a:picLocks noChangeAspect="1"/>
+          </p:cNvPicPr>
+          <p:nvPr/>
+        </p:nvPicPr>
+        <p:blipFill>
+          <a:blip r:embed="rId3"/>
+          <a:stretch>
+            <a:fillRect/>
+          </a:stretch>
+        </p:blipFill>
+        <p:spPr>
+          <a:xfrm>
+            <a:off x="836554" y="1472219"/>
+            <a:ext cx="6977409" cy="4215359"/>
+          </a:xfrm>
+          <a:prstGeom prst="rect">
+            <a:avLst/>
+          </a:prstGeom>
+        </p:spPr>
+      </p:pic>
+    </p:spTree>
+    <p:extLst>
+      <p:ext uri="{BB962C8B-B14F-4D97-AF65-F5344CB8AC3E}">
+        <p14:creationId xmlns:p14="http://schemas.microsoft.com/office/powerpoint/2010/main" val="3363341379"/>
+      </p:ext>
+    </p:extLst>
+  </p:cSld>
+  <p:clrMapOvr>
+    <a:masterClrMapping/>
+  </p:clrMapOvr>
+  <p:transition spd="med">
     <p:wipe dir="r"/>
   </p:transition>
 </p:sld>
